--- a/Presentations/0.WES_terminology_formats.pptx
+++ b/Presentations/0.WES_terminology_formats.pptx
@@ -5,7 +5,7 @@
     <p:sldMasterId id="2147483648" r:id="rId1"/>
   </p:sldMasterIdLst>
   <p:notesMasterIdLst>
-    <p:notesMasterId r:id="rId25"/>
+    <p:notesMasterId r:id="rId26"/>
   </p:notesMasterIdLst>
   <p:sldIdLst>
     <p:sldId id="256" r:id="rId2"/>
@@ -15,22 +15,23 @@
     <p:sldId id="291" r:id="rId6"/>
     <p:sldId id="269" r:id="rId7"/>
     <p:sldId id="270" r:id="rId8"/>
-    <p:sldId id="271" r:id="rId9"/>
-    <p:sldId id="276" r:id="rId10"/>
-    <p:sldId id="292" r:id="rId11"/>
-    <p:sldId id="293" r:id="rId12"/>
-    <p:sldId id="294" r:id="rId13"/>
-    <p:sldId id="279" r:id="rId14"/>
-    <p:sldId id="278" r:id="rId15"/>
-    <p:sldId id="280" r:id="rId16"/>
-    <p:sldId id="281" r:id="rId17"/>
-    <p:sldId id="282" r:id="rId18"/>
-    <p:sldId id="283" r:id="rId19"/>
-    <p:sldId id="284" r:id="rId20"/>
-    <p:sldId id="285" r:id="rId21"/>
-    <p:sldId id="286" r:id="rId22"/>
-    <p:sldId id="287" r:id="rId23"/>
-    <p:sldId id="288" r:id="rId24"/>
+    <p:sldId id="295" r:id="rId9"/>
+    <p:sldId id="271" r:id="rId10"/>
+    <p:sldId id="276" r:id="rId11"/>
+    <p:sldId id="292" r:id="rId12"/>
+    <p:sldId id="293" r:id="rId13"/>
+    <p:sldId id="294" r:id="rId14"/>
+    <p:sldId id="279" r:id="rId15"/>
+    <p:sldId id="278" r:id="rId16"/>
+    <p:sldId id="280" r:id="rId17"/>
+    <p:sldId id="281" r:id="rId18"/>
+    <p:sldId id="282" r:id="rId19"/>
+    <p:sldId id="283" r:id="rId20"/>
+    <p:sldId id="284" r:id="rId21"/>
+    <p:sldId id="285" r:id="rId22"/>
+    <p:sldId id="286" r:id="rId23"/>
+    <p:sldId id="287" r:id="rId24"/>
+    <p:sldId id="288" r:id="rId25"/>
   </p:sldIdLst>
   <p:sldSz cx="12192000" cy="6858000"/>
   <p:notesSz cx="6858000" cy="9144000"/>
@@ -145,6 +146,7 @@
             <p14:sldId id="291"/>
             <p14:sldId id="269"/>
             <p14:sldId id="270"/>
+            <p14:sldId id="295"/>
             <p14:sldId id="271"/>
             <p14:sldId id="276"/>
             <p14:sldId id="292"/>
@@ -258,7 +260,7 @@
           <a:p>
             <a:fld id="{32BF3A05-53FF-7C45-B5E5-052E57A50E87}" type="datetimeFigureOut">
               <a:rPr lang="en-US" smtClean="0"/>
-              <a:t>8/7/2023</a:t>
+              <a:t>8/11/2023</a:t>
             </a:fld>
             <a:endParaRPr lang="en-US"/>
           </a:p>
@@ -593,7 +595,7 @@
           <a:p>
             <a:fld id="{B9FE7392-740F-5146-B2D6-AC1736C64E1C}" type="slidenum">
               <a:rPr lang="en-US" smtClean="0"/>
-              <a:t>20</a:t>
+              <a:t>21</a:t>
             </a:fld>
             <a:endParaRPr lang="en-US"/>
           </a:p>
@@ -759,7 +761,7 @@
           <a:p>
             <a:fld id="{ABC3D20F-9E00-9645-BA2A-A69E1752E500}" type="datetimeFigureOut">
               <a:rPr lang="en-US" smtClean="0"/>
-              <a:t>8/7/2023</a:t>
+              <a:t>8/11/2023</a:t>
             </a:fld>
             <a:endParaRPr lang="en-US"/>
           </a:p>
@@ -957,7 +959,7 @@
           <a:p>
             <a:fld id="{ABC3D20F-9E00-9645-BA2A-A69E1752E500}" type="datetimeFigureOut">
               <a:rPr lang="en-US" smtClean="0"/>
-              <a:t>8/7/2023</a:t>
+              <a:t>8/11/2023</a:t>
             </a:fld>
             <a:endParaRPr lang="en-US"/>
           </a:p>
@@ -1165,7 +1167,7 @@
           <a:p>
             <a:fld id="{ABC3D20F-9E00-9645-BA2A-A69E1752E500}" type="datetimeFigureOut">
               <a:rPr lang="en-US" smtClean="0"/>
-              <a:t>8/7/2023</a:t>
+              <a:t>8/11/2023</a:t>
             </a:fld>
             <a:endParaRPr lang="en-US"/>
           </a:p>
@@ -1363,7 +1365,7 @@
           <a:p>
             <a:fld id="{ABC3D20F-9E00-9645-BA2A-A69E1752E500}" type="datetimeFigureOut">
               <a:rPr lang="en-US" smtClean="0"/>
-              <a:t>8/7/2023</a:t>
+              <a:t>8/11/2023</a:t>
             </a:fld>
             <a:endParaRPr lang="en-US"/>
           </a:p>
@@ -1638,7 +1640,7 @@
           <a:p>
             <a:fld id="{ABC3D20F-9E00-9645-BA2A-A69E1752E500}" type="datetimeFigureOut">
               <a:rPr lang="en-US" smtClean="0"/>
-              <a:t>8/7/2023</a:t>
+              <a:t>8/11/2023</a:t>
             </a:fld>
             <a:endParaRPr lang="en-US"/>
           </a:p>
@@ -1903,7 +1905,7 @@
           <a:p>
             <a:fld id="{ABC3D20F-9E00-9645-BA2A-A69E1752E500}" type="datetimeFigureOut">
               <a:rPr lang="en-US" smtClean="0"/>
-              <a:t>8/7/2023</a:t>
+              <a:t>8/11/2023</a:t>
             </a:fld>
             <a:endParaRPr lang="en-US"/>
           </a:p>
@@ -2315,7 +2317,7 @@
           <a:p>
             <a:fld id="{ABC3D20F-9E00-9645-BA2A-A69E1752E500}" type="datetimeFigureOut">
               <a:rPr lang="en-US" smtClean="0"/>
-              <a:t>8/7/2023</a:t>
+              <a:t>8/11/2023</a:t>
             </a:fld>
             <a:endParaRPr lang="en-US"/>
           </a:p>
@@ -2456,7 +2458,7 @@
           <a:p>
             <a:fld id="{ABC3D20F-9E00-9645-BA2A-A69E1752E500}" type="datetimeFigureOut">
               <a:rPr lang="en-US" smtClean="0"/>
-              <a:t>8/7/2023</a:t>
+              <a:t>8/11/2023</a:t>
             </a:fld>
             <a:endParaRPr lang="en-US"/>
           </a:p>
@@ -2569,7 +2571,7 @@
           <a:p>
             <a:fld id="{ABC3D20F-9E00-9645-BA2A-A69E1752E500}" type="datetimeFigureOut">
               <a:rPr lang="en-US" smtClean="0"/>
-              <a:t>8/7/2023</a:t>
+              <a:t>8/11/2023</a:t>
             </a:fld>
             <a:endParaRPr lang="en-US"/>
           </a:p>
@@ -2880,7 +2882,7 @@
           <a:p>
             <a:fld id="{ABC3D20F-9E00-9645-BA2A-A69E1752E500}" type="datetimeFigureOut">
               <a:rPr lang="en-US" smtClean="0"/>
-              <a:t>8/7/2023</a:t>
+              <a:t>8/11/2023</a:t>
             </a:fld>
             <a:endParaRPr lang="en-US"/>
           </a:p>
@@ -3168,7 +3170,7 @@
           <a:p>
             <a:fld id="{ABC3D20F-9E00-9645-BA2A-A69E1752E500}" type="datetimeFigureOut">
               <a:rPr lang="en-US" smtClean="0"/>
-              <a:t>8/7/2023</a:t>
+              <a:t>8/11/2023</a:t>
             </a:fld>
             <a:endParaRPr lang="en-US"/>
           </a:p>
@@ -3409,7 +3411,7 @@
           <a:p>
             <a:fld id="{ABC3D20F-9E00-9645-BA2A-A69E1752E500}" type="datetimeFigureOut">
               <a:rPr lang="en-US" smtClean="0"/>
-              <a:t>8/7/2023</a:t>
+              <a:t>8/11/2023</a:t>
             </a:fld>
             <a:endParaRPr lang="en-US"/>
           </a:p>
@@ -3930,10 +3932,10 @@
       </p:grpSpPr>
       <p:sp>
         <p:nvSpPr>
-          <p:cNvPr id="2" name="Başlık 1">
-            <a:extLst>
-              <a:ext uri="{FF2B5EF4-FFF2-40B4-BE49-F238E27FC236}">
-                <a16:creationId xmlns:a16="http://schemas.microsoft.com/office/drawing/2014/main" id="{B8E3DFBC-36A1-FBCF-A96E-EE290EF82E4A}"/>
+          <p:cNvPr id="2" name="Title 1">
+            <a:extLst>
+              <a:ext uri="{FF2B5EF4-FFF2-40B4-BE49-F238E27FC236}">
+                <a16:creationId xmlns:a16="http://schemas.microsoft.com/office/drawing/2014/main" id="{ED0BC269-71F5-AD45-A995-F0F475BA2588}"/>
               </a:ext>
             </a:extLst>
           </p:cNvPr>
@@ -3950,51 +3952,18 @@
           <a:lstStyle/>
           <a:p>
             <a:r>
-              <a:rPr lang="tr-TR" b="1" dirty="0"/>
-              <a:t>WGS </a:t>
-            </a:r>
-            <a:r>
-              <a:rPr lang="tr-TR" b="1" dirty="0" err="1"/>
-              <a:t>vs</a:t>
-            </a:r>
-            <a:r>
-              <a:rPr lang="tr-TR" b="1" dirty="0"/>
-              <a:t> WES</a:t>
-            </a:r>
-          </a:p>
-        </p:txBody>
-      </p:sp>
-      <p:sp>
-        <p:nvSpPr>
-          <p:cNvPr id="3" name="İçerik Yer Tutucusu 2">
-            <a:extLst>
-              <a:ext uri="{FF2B5EF4-FFF2-40B4-BE49-F238E27FC236}">
-                <a16:creationId xmlns:a16="http://schemas.microsoft.com/office/drawing/2014/main" id="{900ACE44-F0B6-6F76-2F8C-09EE0509D36B}"/>
-              </a:ext>
-            </a:extLst>
-          </p:cNvPr>
-          <p:cNvSpPr>
-            <a:spLocks noGrp="1"/>
-          </p:cNvSpPr>
-          <p:nvPr>
-            <p:ph idx="1"/>
-          </p:nvPr>
-        </p:nvSpPr>
-        <p:spPr/>
-        <p:txBody>
-          <a:bodyPr/>
-          <a:lstStyle/>
-          <a:p>
-            <a:endParaRPr lang="tr-TR"/>
+              <a:rPr lang="en-US" b="1" dirty="0"/>
+              <a:t>Terminology – Coverage</a:t>
+            </a:r>
           </a:p>
         </p:txBody>
       </p:sp>
       <p:pic>
         <p:nvPicPr>
-          <p:cNvPr id="5" name="Resim 4">
-            <a:extLst>
-              <a:ext uri="{FF2B5EF4-FFF2-40B4-BE49-F238E27FC236}">
-                <a16:creationId xmlns:a16="http://schemas.microsoft.com/office/drawing/2014/main" id="{094465FF-F8DD-C59B-7689-114151EEAFBA}"/>
+          <p:cNvPr id="4" name="Picture 3" descr="Screen Shot 2015-08-09 at 3.08.19 PM.png">
+            <a:extLst>
+              <a:ext uri="{FF2B5EF4-FFF2-40B4-BE49-F238E27FC236}">
+                <a16:creationId xmlns:a16="http://schemas.microsoft.com/office/drawing/2014/main" id="{B06F0339-C2DC-104B-A9CB-3EE9298B6E74}"/>
               </a:ext>
             </a:extLst>
           </p:cNvPr>
@@ -4004,15 +3973,21 @@
           <p:nvPr/>
         </p:nvPicPr>
         <p:blipFill>
-          <a:blip r:embed="rId2"/>
+          <a:blip r:embed="rId2">
+            <a:extLst>
+              <a:ext uri="{28A0092B-C50C-407E-A947-70E740481C1C}">
+                <a14:useLocalDpi xmlns:a14="http://schemas.microsoft.com/office/drawing/2010/main" val="0"/>
+              </a:ext>
+            </a:extLst>
+          </a:blip>
           <a:stretch>
             <a:fillRect/>
           </a:stretch>
         </p:blipFill>
         <p:spPr>
           <a:xfrm>
-            <a:off x="845365" y="1245681"/>
-            <a:ext cx="10501270" cy="4366638"/>
+            <a:off x="2871873" y="1373573"/>
+            <a:ext cx="6448253" cy="5484427"/>
           </a:xfrm>
           <a:prstGeom prst="rect">
             <a:avLst/>
@@ -4021,10 +3996,10 @@
       </p:pic>
       <p:sp>
         <p:nvSpPr>
-          <p:cNvPr id="6" name="Rectangle 4">
-            <a:extLst>
-              <a:ext uri="{FF2B5EF4-FFF2-40B4-BE49-F238E27FC236}">
-                <a16:creationId xmlns:a16="http://schemas.microsoft.com/office/drawing/2014/main" id="{F6BFFD62-2381-283D-9FEB-FA23DC98979F}"/>
+          <p:cNvPr id="5" name="Rectangle 4">
+            <a:extLst>
+              <a:ext uri="{FF2B5EF4-FFF2-40B4-BE49-F238E27FC236}">
+                <a16:creationId xmlns:a16="http://schemas.microsoft.com/office/drawing/2014/main" id="{7E90C65C-4D5C-AE4A-9D4C-7B074A9AFF28}"/>
               </a:ext>
             </a:extLst>
           </p:cNvPr>
@@ -4033,8 +4008,8 @@
         </p:nvSpPr>
         <p:spPr>
           <a:xfrm>
-            <a:off x="9997381" y="6027003"/>
-            <a:ext cx="1984709" cy="830997"/>
+            <a:off x="9136104" y="6027003"/>
+            <a:ext cx="2401719" cy="830997"/>
           </a:xfrm>
           <a:prstGeom prst="rect">
             <a:avLst/>
@@ -4065,7 +4040,7 @@
                 <a:latin typeface="Helvetica"/>
                 <a:cs typeface="Helvetica"/>
               </a:rPr>
-              <a:t>Gujarat, India</a:t>
+              <a:t>University of Pretoria</a:t>
             </a:r>
             <a:br>
               <a:rPr lang="en-US" sz="1200" i="1" dirty="0">
@@ -4078,7 +4053,7 @@
                 <a:latin typeface="Helvetica"/>
                 <a:cs typeface="Helvetica"/>
               </a:rPr>
-              <a:t>Mar. 2-5, 2020</a:t>
+              <a:t>South Africa, 22-26 June, 2015 </a:t>
             </a:r>
           </a:p>
           <a:p>
@@ -4093,7 +4068,7 @@
     </p:spTree>
     <p:extLst>
       <p:ext uri="{BB962C8B-B14F-4D97-AF65-F5344CB8AC3E}">
-        <p14:creationId xmlns:p14="http://schemas.microsoft.com/office/powerpoint/2010/main" val="3288644406"/>
+        <p14:creationId xmlns:p14="http://schemas.microsoft.com/office/powerpoint/2010/main" val="2362627734"/>
       </p:ext>
     </p:extLst>
   </p:cSld>
@@ -4125,7 +4100,7 @@
           <p:cNvPr id="2" name="Başlık 1">
             <a:extLst>
               <a:ext uri="{FF2B5EF4-FFF2-40B4-BE49-F238E27FC236}">
-                <a16:creationId xmlns:a16="http://schemas.microsoft.com/office/drawing/2014/main" id="{FDA4B30C-86B5-B451-5A8A-14089DF05215}"/>
+                <a16:creationId xmlns:a16="http://schemas.microsoft.com/office/drawing/2014/main" id="{B8E3DFBC-36A1-FBCF-A96E-EE290EF82E4A}"/>
               </a:ext>
             </a:extLst>
           </p:cNvPr>
@@ -4153,7 +4128,6 @@
               <a:rPr lang="tr-TR" b="1" dirty="0"/>
               <a:t> WES</a:t>
             </a:r>
-            <a:endParaRPr lang="tr-TR" dirty="0"/>
           </a:p>
         </p:txBody>
       </p:sp>
@@ -4162,7 +4136,7 @@
           <p:cNvPr id="3" name="İçerik Yer Tutucusu 2">
             <a:extLst>
               <a:ext uri="{FF2B5EF4-FFF2-40B4-BE49-F238E27FC236}">
-                <a16:creationId xmlns:a16="http://schemas.microsoft.com/office/drawing/2014/main" id="{D73FE361-7E63-AE1A-9AE2-9463C38A8B99}"/>
+                <a16:creationId xmlns:a16="http://schemas.microsoft.com/office/drawing/2014/main" id="{900ACE44-F0B6-6F76-2F8C-09EE0509D36B}"/>
               </a:ext>
             </a:extLst>
           </p:cNvPr>
@@ -4187,7 +4161,7 @@
           <p:cNvPr id="5" name="Resim 4">
             <a:extLst>
               <a:ext uri="{FF2B5EF4-FFF2-40B4-BE49-F238E27FC236}">
-                <a16:creationId xmlns:a16="http://schemas.microsoft.com/office/drawing/2014/main" id="{40710692-5EE1-3C93-D85B-97A51A37205B}"/>
+                <a16:creationId xmlns:a16="http://schemas.microsoft.com/office/drawing/2014/main" id="{094465FF-F8DD-C59B-7689-114151EEAFBA}"/>
               </a:ext>
             </a:extLst>
           </p:cNvPr>
@@ -4204,8 +4178,8 @@
         </p:blipFill>
         <p:spPr>
           <a:xfrm>
-            <a:off x="986940" y="1429962"/>
-            <a:ext cx="10218120" cy="4747001"/>
+            <a:off x="845365" y="1245681"/>
+            <a:ext cx="10501270" cy="4366638"/>
           </a:xfrm>
           <a:prstGeom prst="rect">
             <a:avLst/>
@@ -4217,7 +4191,7 @@
           <p:cNvPr id="6" name="Rectangle 4">
             <a:extLst>
               <a:ext uri="{FF2B5EF4-FFF2-40B4-BE49-F238E27FC236}">
-                <a16:creationId xmlns:a16="http://schemas.microsoft.com/office/drawing/2014/main" id="{55CFBEF6-ED54-F943-F209-C0C60F000C55}"/>
+                <a16:creationId xmlns:a16="http://schemas.microsoft.com/office/drawing/2014/main" id="{F6BFFD62-2381-283D-9FEB-FA23DC98979F}"/>
               </a:ext>
             </a:extLst>
           </p:cNvPr>
@@ -4286,7 +4260,7 @@
     </p:spTree>
     <p:extLst>
       <p:ext uri="{BB962C8B-B14F-4D97-AF65-F5344CB8AC3E}">
-        <p14:creationId xmlns:p14="http://schemas.microsoft.com/office/powerpoint/2010/main" val="3263980356"/>
+        <p14:creationId xmlns:p14="http://schemas.microsoft.com/office/powerpoint/2010/main" val="3288644406"/>
       </p:ext>
     </p:extLst>
   </p:cSld>
@@ -4318,7 +4292,7 @@
           <p:cNvPr id="2" name="Başlık 1">
             <a:extLst>
               <a:ext uri="{FF2B5EF4-FFF2-40B4-BE49-F238E27FC236}">
-                <a16:creationId xmlns:a16="http://schemas.microsoft.com/office/drawing/2014/main" id="{79E7A08C-57A8-822A-DDB2-F68EEB4A2469}"/>
+                <a16:creationId xmlns:a16="http://schemas.microsoft.com/office/drawing/2014/main" id="{FDA4B30C-86B5-B451-5A8A-14089DF05215}"/>
               </a:ext>
             </a:extLst>
           </p:cNvPr>
@@ -4335,18 +4309,18 @@
           <a:lstStyle/>
           <a:p>
             <a:r>
+              <a:rPr lang="tr-TR" b="1" dirty="0"/>
+              <a:t>WGS </a:t>
+            </a:r>
+            <a:r>
               <a:rPr lang="tr-TR" b="1" dirty="0" err="1"/>
-              <a:t>Exome</a:t>
+              <a:t>vs</a:t>
             </a:r>
             <a:r>
               <a:rPr lang="tr-TR" b="1" dirty="0"/>
-              <a:t> </a:t>
-            </a:r>
-            <a:r>
-              <a:rPr lang="tr-TR" b="1" dirty="0" err="1"/>
-              <a:t>Kits</a:t>
-            </a:r>
-            <a:endParaRPr lang="tr-TR" b="1" dirty="0"/>
+              <a:t> WES</a:t>
+            </a:r>
+            <a:endParaRPr lang="tr-TR" dirty="0"/>
           </a:p>
         </p:txBody>
       </p:sp>
@@ -4355,7 +4329,7 @@
           <p:cNvPr id="3" name="İçerik Yer Tutucusu 2">
             <a:extLst>
               <a:ext uri="{FF2B5EF4-FFF2-40B4-BE49-F238E27FC236}">
-                <a16:creationId xmlns:a16="http://schemas.microsoft.com/office/drawing/2014/main" id="{189A0DF5-7AAD-DA85-FBC2-4E85BE62597E}"/>
+                <a16:creationId xmlns:a16="http://schemas.microsoft.com/office/drawing/2014/main" id="{D73FE361-7E63-AE1A-9AE2-9463C38A8B99}"/>
               </a:ext>
             </a:extLst>
           </p:cNvPr>
@@ -4380,7 +4354,7 @@
           <p:cNvPr id="5" name="Resim 4">
             <a:extLst>
               <a:ext uri="{FF2B5EF4-FFF2-40B4-BE49-F238E27FC236}">
-                <a16:creationId xmlns:a16="http://schemas.microsoft.com/office/drawing/2014/main" id="{029D5332-3FB4-06F7-6AA1-7C8258C5D780}"/>
+                <a16:creationId xmlns:a16="http://schemas.microsoft.com/office/drawing/2014/main" id="{40710692-5EE1-3C93-D85B-97A51A37205B}"/>
               </a:ext>
             </a:extLst>
           </p:cNvPr>
@@ -4397,8 +4371,8 @@
         </p:blipFill>
         <p:spPr>
           <a:xfrm>
-            <a:off x="670090" y="1332676"/>
-            <a:ext cx="10851820" cy="4694327"/>
+            <a:off x="986940" y="1429962"/>
+            <a:ext cx="10218120" cy="4747001"/>
           </a:xfrm>
           <a:prstGeom prst="rect">
             <a:avLst/>
@@ -4410,7 +4384,7 @@
           <p:cNvPr id="6" name="Rectangle 4">
             <a:extLst>
               <a:ext uri="{FF2B5EF4-FFF2-40B4-BE49-F238E27FC236}">
-                <a16:creationId xmlns:a16="http://schemas.microsoft.com/office/drawing/2014/main" id="{7BBB5148-DF9B-2796-80B8-80DA86E1B2A2}"/>
+                <a16:creationId xmlns:a16="http://schemas.microsoft.com/office/drawing/2014/main" id="{55CFBEF6-ED54-F943-F209-C0C60F000C55}"/>
               </a:ext>
             </a:extLst>
           </p:cNvPr>
@@ -4479,7 +4453,7 @@
     </p:spTree>
     <p:extLst>
       <p:ext uri="{BB962C8B-B14F-4D97-AF65-F5344CB8AC3E}">
-        <p14:creationId xmlns:p14="http://schemas.microsoft.com/office/powerpoint/2010/main" val="892878538"/>
+        <p14:creationId xmlns:p14="http://schemas.microsoft.com/office/powerpoint/2010/main" val="3263980356"/>
       </p:ext>
     </p:extLst>
   </p:cSld>
@@ -4506,12 +4480,74 @@
           <a:chExt cx="0" cy="0"/>
         </a:xfrm>
       </p:grpSpPr>
+      <p:sp>
+        <p:nvSpPr>
+          <p:cNvPr id="2" name="Başlık 1">
+            <a:extLst>
+              <a:ext uri="{FF2B5EF4-FFF2-40B4-BE49-F238E27FC236}">
+                <a16:creationId xmlns:a16="http://schemas.microsoft.com/office/drawing/2014/main" id="{79E7A08C-57A8-822A-DDB2-F68EEB4A2469}"/>
+              </a:ext>
+            </a:extLst>
+          </p:cNvPr>
+          <p:cNvSpPr>
+            <a:spLocks noGrp="1"/>
+          </p:cNvSpPr>
+          <p:nvPr>
+            <p:ph type="title"/>
+          </p:nvPr>
+        </p:nvSpPr>
+        <p:spPr/>
+        <p:txBody>
+          <a:bodyPr/>
+          <a:lstStyle/>
+          <a:p>
+            <a:r>
+              <a:rPr lang="tr-TR" b="1" dirty="0" err="1"/>
+              <a:t>Exome</a:t>
+            </a:r>
+            <a:r>
+              <a:rPr lang="tr-TR" b="1" dirty="0"/>
+              <a:t> </a:t>
+            </a:r>
+            <a:r>
+              <a:rPr lang="tr-TR" b="1" dirty="0" err="1"/>
+              <a:t>Kits</a:t>
+            </a:r>
+            <a:endParaRPr lang="tr-TR" b="1" dirty="0"/>
+          </a:p>
+        </p:txBody>
+      </p:sp>
+      <p:sp>
+        <p:nvSpPr>
+          <p:cNvPr id="3" name="İçerik Yer Tutucusu 2">
+            <a:extLst>
+              <a:ext uri="{FF2B5EF4-FFF2-40B4-BE49-F238E27FC236}">
+                <a16:creationId xmlns:a16="http://schemas.microsoft.com/office/drawing/2014/main" id="{189A0DF5-7AAD-DA85-FBC2-4E85BE62597E}"/>
+              </a:ext>
+            </a:extLst>
+          </p:cNvPr>
+          <p:cNvSpPr>
+            <a:spLocks noGrp="1"/>
+          </p:cNvSpPr>
+          <p:nvPr>
+            <p:ph idx="1"/>
+          </p:nvPr>
+        </p:nvSpPr>
+        <p:spPr/>
+        <p:txBody>
+          <a:bodyPr/>
+          <a:lstStyle/>
+          <a:p>
+            <a:endParaRPr lang="tr-TR"/>
+          </a:p>
+        </p:txBody>
+      </p:sp>
       <p:pic>
         <p:nvPicPr>
-          <p:cNvPr id="4" name="Picture 3" descr="Screen Shot 2015-08-09 at 3.42.32 PM.png">
-            <a:extLst>
-              <a:ext uri="{FF2B5EF4-FFF2-40B4-BE49-F238E27FC236}">
-                <a16:creationId xmlns:a16="http://schemas.microsoft.com/office/drawing/2014/main" id="{F146D9CB-23E7-664B-BCCC-91C88FB44E7A}"/>
+          <p:cNvPr id="5" name="Resim 4">
+            <a:extLst>
+              <a:ext uri="{FF2B5EF4-FFF2-40B4-BE49-F238E27FC236}">
+                <a16:creationId xmlns:a16="http://schemas.microsoft.com/office/drawing/2014/main" id="{029D5332-3FB4-06F7-6AA1-7C8258C5D780}"/>
               </a:ext>
             </a:extLst>
           </p:cNvPr>
@@ -4520,21 +4556,16 @@
           </p:cNvPicPr>
           <p:nvPr/>
         </p:nvPicPr>
-        <p:blipFill rotWithShape="1">
-          <a:blip r:embed="rId2">
-            <a:extLst>
-              <a:ext uri="{28A0092B-C50C-407E-A947-70E740481C1C}">
-                <a14:useLocalDpi xmlns:a14="http://schemas.microsoft.com/office/drawing/2010/main" val="0"/>
-              </a:ext>
-            </a:extLst>
-          </a:blip>
-          <a:srcRect t="10369" b="4196"/>
-          <a:stretch/>
+        <p:blipFill>
+          <a:blip r:embed="rId2"/>
+          <a:stretch>
+            <a:fillRect/>
+          </a:stretch>
         </p:blipFill>
         <p:spPr>
           <a:xfrm>
-            <a:off x="1648690" y="1044992"/>
-            <a:ext cx="9144000" cy="4982011"/>
+            <a:off x="670090" y="1332676"/>
+            <a:ext cx="10851820" cy="4694327"/>
           </a:xfrm>
           <a:prstGeom prst="rect">
             <a:avLst/>
@@ -4543,10 +4574,10 @@
       </p:pic>
       <p:sp>
         <p:nvSpPr>
-          <p:cNvPr id="5" name="Rectangle 4">
-            <a:extLst>
-              <a:ext uri="{FF2B5EF4-FFF2-40B4-BE49-F238E27FC236}">
-                <a16:creationId xmlns:a16="http://schemas.microsoft.com/office/drawing/2014/main" id="{3E6721DC-3498-7447-B097-8852B0D09D7A}"/>
+          <p:cNvPr id="6" name="Rectangle 4">
+            <a:extLst>
+              <a:ext uri="{FF2B5EF4-FFF2-40B4-BE49-F238E27FC236}">
+                <a16:creationId xmlns:a16="http://schemas.microsoft.com/office/drawing/2014/main" id="{7BBB5148-DF9B-2796-80B8-80DA86E1B2A2}"/>
               </a:ext>
             </a:extLst>
           </p:cNvPr>
@@ -4555,8 +4586,8 @@
         </p:nvSpPr>
         <p:spPr>
           <a:xfrm>
-            <a:off x="9411721" y="6027003"/>
-            <a:ext cx="2401719" cy="830997"/>
+            <a:off x="9997381" y="6027003"/>
+            <a:ext cx="1984709" cy="830997"/>
           </a:xfrm>
           <a:prstGeom prst="rect">
             <a:avLst/>
@@ -4587,7 +4618,7 @@
                 <a:latin typeface="Helvetica"/>
                 <a:cs typeface="Helvetica"/>
               </a:rPr>
-              <a:t>University of Pretoria</a:t>
+              <a:t>Gujarat, India</a:t>
             </a:r>
             <a:br>
               <a:rPr lang="en-US" sz="1200" i="1" dirty="0">
@@ -4600,7 +4631,7 @@
                 <a:latin typeface="Helvetica"/>
                 <a:cs typeface="Helvetica"/>
               </a:rPr>
-              <a:t>South Africa, 22-26 June, 2015 </a:t>
+              <a:t>Mar. 2-5, 2020</a:t>
             </a:r>
           </a:p>
           <a:p>
@@ -4615,7 +4646,7 @@
     </p:spTree>
     <p:extLst>
       <p:ext uri="{BB962C8B-B14F-4D97-AF65-F5344CB8AC3E}">
-        <p14:creationId xmlns:p14="http://schemas.microsoft.com/office/powerpoint/2010/main" val="2879310864"/>
+        <p14:creationId xmlns:p14="http://schemas.microsoft.com/office/powerpoint/2010/main" val="892878538"/>
       </p:ext>
     </p:extLst>
   </p:cSld>
@@ -4642,6 +4673,142 @@
           <a:chExt cx="0" cy="0"/>
         </a:xfrm>
       </p:grpSpPr>
+      <p:pic>
+        <p:nvPicPr>
+          <p:cNvPr id="4" name="Picture 3" descr="Screen Shot 2015-08-09 at 3.42.32 PM.png">
+            <a:extLst>
+              <a:ext uri="{FF2B5EF4-FFF2-40B4-BE49-F238E27FC236}">
+                <a16:creationId xmlns:a16="http://schemas.microsoft.com/office/drawing/2014/main" id="{F146D9CB-23E7-664B-BCCC-91C88FB44E7A}"/>
+              </a:ext>
+            </a:extLst>
+          </p:cNvPr>
+          <p:cNvPicPr>
+            <a:picLocks noChangeAspect="1"/>
+          </p:cNvPicPr>
+          <p:nvPr/>
+        </p:nvPicPr>
+        <p:blipFill rotWithShape="1">
+          <a:blip r:embed="rId2">
+            <a:extLst>
+              <a:ext uri="{28A0092B-C50C-407E-A947-70E740481C1C}">
+                <a14:useLocalDpi xmlns:a14="http://schemas.microsoft.com/office/drawing/2010/main" val="0"/>
+              </a:ext>
+            </a:extLst>
+          </a:blip>
+          <a:srcRect t="10369" b="4196"/>
+          <a:stretch/>
+        </p:blipFill>
+        <p:spPr>
+          <a:xfrm>
+            <a:off x="1648690" y="1044992"/>
+            <a:ext cx="9144000" cy="4982011"/>
+          </a:xfrm>
+          <a:prstGeom prst="rect">
+            <a:avLst/>
+          </a:prstGeom>
+        </p:spPr>
+      </p:pic>
+      <p:sp>
+        <p:nvSpPr>
+          <p:cNvPr id="5" name="Rectangle 4">
+            <a:extLst>
+              <a:ext uri="{FF2B5EF4-FFF2-40B4-BE49-F238E27FC236}">
+                <a16:creationId xmlns:a16="http://schemas.microsoft.com/office/drawing/2014/main" id="{3E6721DC-3498-7447-B097-8852B0D09D7A}"/>
+              </a:ext>
+            </a:extLst>
+          </p:cNvPr>
+          <p:cNvSpPr/>
+          <p:nvPr/>
+        </p:nvSpPr>
+        <p:spPr>
+          <a:xfrm>
+            <a:off x="9411721" y="6027003"/>
+            <a:ext cx="2401719" cy="830997"/>
+          </a:xfrm>
+          <a:prstGeom prst="rect">
+            <a:avLst/>
+          </a:prstGeom>
+        </p:spPr>
+        <p:txBody>
+          <a:bodyPr wrap="none">
+            <a:spAutoFit/>
+          </a:bodyPr>
+          <a:lstStyle/>
+          <a:p>
+            <a:pPr algn="r"/>
+            <a:r>
+              <a:rPr lang="en-US" sz="1200" i="1" dirty="0">
+                <a:latin typeface="Helvetica"/>
+                <a:cs typeface="Helvetica"/>
+              </a:rPr>
+              <a:t>GATK Workshop Slide Set</a:t>
+            </a:r>
+            <a:br>
+              <a:rPr lang="en-US" sz="1200" i="1" dirty="0">
+                <a:latin typeface="Helvetica"/>
+                <a:cs typeface="Helvetica"/>
+              </a:rPr>
+            </a:br>
+            <a:r>
+              <a:rPr lang="en-US" sz="1200" i="1" dirty="0">
+                <a:latin typeface="Helvetica"/>
+                <a:cs typeface="Helvetica"/>
+              </a:rPr>
+              <a:t>University of Pretoria</a:t>
+            </a:r>
+            <a:br>
+              <a:rPr lang="en-US" sz="1200" i="1" dirty="0">
+                <a:latin typeface="Helvetica"/>
+                <a:cs typeface="Helvetica"/>
+              </a:rPr>
+            </a:br>
+            <a:r>
+              <a:rPr lang="en-US" sz="1200" i="1" dirty="0">
+                <a:latin typeface="Helvetica"/>
+                <a:cs typeface="Helvetica"/>
+              </a:rPr>
+              <a:t>South Africa, 22-26 June, 2015 </a:t>
+            </a:r>
+          </a:p>
+          <a:p>
+            <a:pPr algn="r"/>
+            <a:endParaRPr lang="en-US" sz="1200" i="1" dirty="0">
+              <a:latin typeface="Helvetica"/>
+              <a:cs typeface="Helvetica"/>
+            </a:endParaRPr>
+          </a:p>
+        </p:txBody>
+      </p:sp>
+    </p:spTree>
+    <p:extLst>
+      <p:ext uri="{BB962C8B-B14F-4D97-AF65-F5344CB8AC3E}">
+        <p14:creationId xmlns:p14="http://schemas.microsoft.com/office/powerpoint/2010/main" val="2879310864"/>
+      </p:ext>
+    </p:extLst>
+  </p:cSld>
+  <p:clrMapOvr>
+    <a:masterClrMapping/>
+  </p:clrMapOvr>
+</p:sld>
+</file>
+
+<file path=ppt/slides/slide15.xml><?xml version="1.0" encoding="utf-8"?>
+<p:sld xmlns:a="http://schemas.openxmlformats.org/drawingml/2006/main" xmlns:r="http://schemas.openxmlformats.org/officeDocument/2006/relationships" xmlns:p="http://schemas.openxmlformats.org/presentationml/2006/main">
+  <p:cSld>
+    <p:spTree>
+      <p:nvGrpSpPr>
+        <p:cNvPr id="1" name=""/>
+        <p:cNvGrpSpPr/>
+        <p:nvPr/>
+      </p:nvGrpSpPr>
+      <p:grpSpPr>
+        <a:xfrm>
+          <a:off x="0" y="0"/>
+          <a:ext cx="0" cy="0"/>
+          <a:chOff x="0" y="0"/>
+          <a:chExt cx="0" cy="0"/>
+        </a:xfrm>
+      </p:grpSpPr>
       <p:sp>
         <p:nvSpPr>
           <p:cNvPr id="4" name="Title 3">
@@ -4708,7 +4875,7 @@
 </p:sld>
 </file>
 
-<file path=ppt/slides/slide15.xml><?xml version="1.0" encoding="utf-8"?>
+<file path=ppt/slides/slide16.xml><?xml version="1.0" encoding="utf-8"?>
 <p:sld xmlns:a="http://schemas.openxmlformats.org/drawingml/2006/main" xmlns:r="http://schemas.openxmlformats.org/officeDocument/2006/relationships" xmlns:p="http://schemas.openxmlformats.org/presentationml/2006/main">
   <p:cSld>
     <p:spTree>
@@ -4874,7 +5041,7 @@
 </p:sld>
 </file>
 
-<file path=ppt/slides/slide16.xml><?xml version="1.0" encoding="utf-8"?>
+<file path=ppt/slides/slide17.xml><?xml version="1.0" encoding="utf-8"?>
 <p:sld xmlns:a="http://schemas.openxmlformats.org/drawingml/2006/main" xmlns:r="http://schemas.openxmlformats.org/officeDocument/2006/relationships" xmlns:p="http://schemas.openxmlformats.org/presentationml/2006/main">
   <p:cSld>
     <p:spTree>
@@ -4909,7 +5076,7 @@
           <a:lstStyle/>
           <a:p>
             <a:r>
-              <a:rPr lang="en-US" dirty="0"/>
+              <a:rPr lang="en-US" b="1" dirty="0"/>
               <a:t>Quality Scores</a:t>
             </a:r>
           </a:p>
@@ -5068,7 +5235,7 @@
 </p:sld>
 </file>
 
-<file path=ppt/slides/slide17.xml><?xml version="1.0" encoding="utf-8"?>
+<file path=ppt/slides/slide18.xml><?xml version="1.0" encoding="utf-8"?>
 <p:sld xmlns:a="http://schemas.openxmlformats.org/drawingml/2006/main" xmlns:r="http://schemas.openxmlformats.org/officeDocument/2006/relationships" xmlns:p="http://schemas.openxmlformats.org/presentationml/2006/main">
   <p:cSld>
     <p:spTree>
@@ -5150,7 +5317,7 @@
 </p:sld>
 </file>
 
-<file path=ppt/slides/slide18.xml><?xml version="1.0" encoding="utf-8"?>
+<file path=ppt/slides/slide19.xml><?xml version="1.0" encoding="utf-8"?>
 <p:sld xmlns:a="http://schemas.openxmlformats.org/drawingml/2006/main" xmlns:r="http://schemas.openxmlformats.org/officeDocument/2006/relationships" xmlns:p="http://schemas.openxmlformats.org/presentationml/2006/main">
   <p:cSld>
     <p:spTree>
@@ -5439,238 +5606,6 @@
     <p:extLst>
       <p:ext uri="{BB962C8B-B14F-4D97-AF65-F5344CB8AC3E}">
         <p14:creationId xmlns:p14="http://schemas.microsoft.com/office/powerpoint/2010/main" val="1257173044"/>
-      </p:ext>
-    </p:extLst>
-  </p:cSld>
-  <p:clrMapOvr>
-    <a:masterClrMapping/>
-  </p:clrMapOvr>
-</p:sld>
-</file>
-
-<file path=ppt/slides/slide19.xml><?xml version="1.0" encoding="utf-8"?>
-<p:sld xmlns:a="http://schemas.openxmlformats.org/drawingml/2006/main" xmlns:r="http://schemas.openxmlformats.org/officeDocument/2006/relationships" xmlns:p="http://schemas.openxmlformats.org/presentationml/2006/main">
-  <p:cSld>
-    <p:spTree>
-      <p:nvGrpSpPr>
-        <p:cNvPr id="1" name=""/>
-        <p:cNvGrpSpPr/>
-        <p:nvPr/>
-      </p:nvGrpSpPr>
-      <p:grpSpPr>
-        <a:xfrm>
-          <a:off x="0" y="0"/>
-          <a:ext cx="0" cy="0"/>
-          <a:chOff x="0" y="0"/>
-          <a:chExt cx="0" cy="0"/>
-        </a:xfrm>
-      </p:grpSpPr>
-      <p:sp>
-        <p:nvSpPr>
-          <p:cNvPr id="2" name="Title 1"/>
-          <p:cNvSpPr>
-            <a:spLocks noGrp="1"/>
-          </p:cNvSpPr>
-          <p:nvPr>
-            <p:ph type="title"/>
-          </p:nvPr>
-        </p:nvSpPr>
-        <p:spPr/>
-        <p:txBody>
-          <a:bodyPr>
-            <a:normAutofit/>
-          </a:bodyPr>
-          <a:lstStyle/>
-          <a:p>
-            <a:r>
-              <a:rPr lang="en-US" b="1" dirty="0"/>
-              <a:t>Important File Format #2: </a:t>
-            </a:r>
-            <a:br>
-              <a:rPr lang="en-US" b="1" dirty="0"/>
-            </a:br>
-            <a:r>
-              <a:rPr lang="en-US" b="1" dirty="0"/>
-              <a:t>SAM/BAM(aligned reads)</a:t>
-            </a:r>
-          </a:p>
-        </p:txBody>
-      </p:sp>
-      <p:sp>
-        <p:nvSpPr>
-          <p:cNvPr id="3" name="Content Placeholder 2"/>
-          <p:cNvSpPr>
-            <a:spLocks noGrp="1"/>
-          </p:cNvSpPr>
-          <p:nvPr>
-            <p:ph idx="1"/>
-          </p:nvPr>
-        </p:nvSpPr>
-        <p:spPr>
-          <a:xfrm>
-            <a:off x="1981200" y="1600201"/>
-            <a:ext cx="8229600" cy="552020"/>
-          </a:xfrm>
-        </p:spPr>
-        <p:txBody>
-          <a:bodyPr>
-            <a:normAutofit/>
-          </a:bodyPr>
-          <a:lstStyle/>
-          <a:p>
-            <a:pPr marL="0" indent="0" algn="ctr">
-              <a:buNone/>
-            </a:pPr>
-            <a:r>
-              <a:rPr lang="en-US" sz="2400" b="1" dirty="0"/>
-              <a:t>S</a:t>
-            </a:r>
-            <a:r>
-              <a:rPr lang="en-US" sz="2400" dirty="0"/>
-              <a:t>equence </a:t>
-            </a:r>
-            <a:r>
-              <a:rPr lang="en-US" sz="2400" b="1" dirty="0"/>
-              <a:t>A</a:t>
-            </a:r>
-            <a:r>
-              <a:rPr lang="en-US" sz="2400" dirty="0"/>
-              <a:t>lignment </a:t>
-            </a:r>
-            <a:r>
-              <a:rPr lang="en-US" sz="2400" b="1" dirty="0"/>
-              <a:t>M</a:t>
-            </a:r>
-            <a:r>
-              <a:rPr lang="en-US" sz="2400" dirty="0"/>
-              <a:t>ap </a:t>
-            </a:r>
-            <a:r>
-              <a:rPr lang="en-US" sz="2400" b="1" dirty="0"/>
-              <a:t>/ B</a:t>
-            </a:r>
-            <a:r>
-              <a:rPr lang="en-US" sz="2400" dirty="0"/>
-              <a:t>inary </a:t>
-            </a:r>
-            <a:r>
-              <a:rPr lang="en-US" sz="2400" b="1" dirty="0"/>
-              <a:t>A</a:t>
-            </a:r>
-            <a:r>
-              <a:rPr lang="en-US" sz="2400" dirty="0"/>
-              <a:t>lignment </a:t>
-            </a:r>
-            <a:r>
-              <a:rPr lang="en-US" sz="2400" b="1" dirty="0"/>
-              <a:t>M</a:t>
-            </a:r>
-            <a:r>
-              <a:rPr lang="en-US" sz="2400" dirty="0"/>
-              <a:t>ap</a:t>
-            </a:r>
-          </a:p>
-        </p:txBody>
-      </p:sp>
-      <p:sp>
-        <p:nvSpPr>
-          <p:cNvPr id="6" name="Rectangle 5"/>
-          <p:cNvSpPr/>
-          <p:nvPr/>
-        </p:nvSpPr>
-        <p:spPr>
-          <a:xfrm>
-            <a:off x="8952081" y="6027003"/>
-            <a:ext cx="2401719" cy="830997"/>
-          </a:xfrm>
-          <a:prstGeom prst="rect">
-            <a:avLst/>
-          </a:prstGeom>
-        </p:spPr>
-        <p:txBody>
-          <a:bodyPr wrap="none">
-            <a:spAutoFit/>
-          </a:bodyPr>
-          <a:lstStyle/>
-          <a:p>
-            <a:pPr algn="r"/>
-            <a:r>
-              <a:rPr lang="en-US" sz="1200" i="1" dirty="0">
-                <a:latin typeface="Helvetica"/>
-                <a:cs typeface="Helvetica"/>
-              </a:rPr>
-              <a:t>GATK Workshop Slide Set</a:t>
-            </a:r>
-            <a:br>
-              <a:rPr lang="en-US" sz="1200" i="1" dirty="0">
-                <a:latin typeface="Helvetica"/>
-                <a:cs typeface="Helvetica"/>
-              </a:rPr>
-            </a:br>
-            <a:r>
-              <a:rPr lang="en-US" sz="1200" i="1" dirty="0">
-                <a:latin typeface="Helvetica"/>
-                <a:cs typeface="Helvetica"/>
-              </a:rPr>
-              <a:t>University of Pretoria</a:t>
-            </a:r>
-            <a:br>
-              <a:rPr lang="en-US" sz="1200" i="1" dirty="0">
-                <a:latin typeface="Helvetica"/>
-                <a:cs typeface="Helvetica"/>
-              </a:rPr>
-            </a:br>
-            <a:r>
-              <a:rPr lang="en-US" sz="1200" i="1" dirty="0">
-                <a:latin typeface="Helvetica"/>
-                <a:cs typeface="Helvetica"/>
-              </a:rPr>
-              <a:t>South Africa, 22-26 June, 2015 </a:t>
-            </a:r>
-          </a:p>
-          <a:p>
-            <a:pPr algn="r"/>
-            <a:endParaRPr lang="en-US" sz="1200" i="1" dirty="0">
-              <a:latin typeface="Helvetica"/>
-              <a:cs typeface="Helvetica"/>
-            </a:endParaRPr>
-          </a:p>
-        </p:txBody>
-      </p:sp>
-      <p:pic>
-        <p:nvPicPr>
-          <p:cNvPr id="7" name="Resim 6">
-            <a:extLst>
-              <a:ext uri="{FF2B5EF4-FFF2-40B4-BE49-F238E27FC236}">
-                <a16:creationId xmlns:a16="http://schemas.microsoft.com/office/drawing/2014/main" id="{27372003-C04D-7D3B-8F9C-2CE3B545930D}"/>
-              </a:ext>
-            </a:extLst>
-          </p:cNvPr>
-          <p:cNvPicPr>
-            <a:picLocks noChangeAspect="1"/>
-          </p:cNvPicPr>
-          <p:nvPr/>
-        </p:nvPicPr>
-        <p:blipFill>
-          <a:blip r:embed="rId2"/>
-          <a:stretch>
-            <a:fillRect/>
-          </a:stretch>
-        </p:blipFill>
-        <p:spPr>
-          <a:xfrm>
-            <a:off x="1043502" y="3081538"/>
-            <a:ext cx="10104996" cy="1554615"/>
-          </a:xfrm>
-          <a:prstGeom prst="rect">
-            <a:avLst/>
-          </a:prstGeom>
-        </p:spPr>
-      </p:pic>
-    </p:spTree>
-    <p:extLst>
-      <p:ext uri="{BB962C8B-B14F-4D97-AF65-F5344CB8AC3E}">
-        <p14:creationId xmlns:p14="http://schemas.microsoft.com/office/powerpoint/2010/main" val="223683521"/>
       </p:ext>
     </p:extLst>
   </p:cSld>
@@ -5755,6 +5690,244 @@
           <a:chExt cx="0" cy="0"/>
         </a:xfrm>
       </p:grpSpPr>
+      <p:sp>
+        <p:nvSpPr>
+          <p:cNvPr id="2" name="Title 1"/>
+          <p:cNvSpPr>
+            <a:spLocks noGrp="1"/>
+          </p:cNvSpPr>
+          <p:nvPr>
+            <p:ph type="title"/>
+          </p:nvPr>
+        </p:nvSpPr>
+        <p:spPr/>
+        <p:txBody>
+          <a:bodyPr>
+            <a:normAutofit/>
+          </a:bodyPr>
+          <a:lstStyle/>
+          <a:p>
+            <a:r>
+              <a:rPr lang="en-US" b="1" dirty="0"/>
+              <a:t>Important File Format #2: </a:t>
+            </a:r>
+            <a:br>
+              <a:rPr lang="en-US" b="1" dirty="0"/>
+            </a:br>
+            <a:r>
+              <a:rPr lang="en-US" b="1" dirty="0"/>
+              <a:t>SAM/BAM(aligned reads)</a:t>
+            </a:r>
+          </a:p>
+        </p:txBody>
+      </p:sp>
+      <p:sp>
+        <p:nvSpPr>
+          <p:cNvPr id="3" name="Content Placeholder 2"/>
+          <p:cNvSpPr>
+            <a:spLocks noGrp="1"/>
+          </p:cNvSpPr>
+          <p:nvPr>
+            <p:ph idx="1"/>
+          </p:nvPr>
+        </p:nvSpPr>
+        <p:spPr>
+          <a:xfrm>
+            <a:off x="1981200" y="1600201"/>
+            <a:ext cx="8229600" cy="552020"/>
+          </a:xfrm>
+        </p:spPr>
+        <p:txBody>
+          <a:bodyPr>
+            <a:normAutofit/>
+          </a:bodyPr>
+          <a:lstStyle/>
+          <a:p>
+            <a:pPr marL="0" indent="0" algn="ctr">
+              <a:buNone/>
+            </a:pPr>
+            <a:r>
+              <a:rPr lang="en-US" sz="2400" b="1" dirty="0"/>
+              <a:t>S</a:t>
+            </a:r>
+            <a:r>
+              <a:rPr lang="en-US" sz="2400" dirty="0"/>
+              <a:t>equence </a:t>
+            </a:r>
+            <a:r>
+              <a:rPr lang="en-US" sz="2400" b="1" dirty="0"/>
+              <a:t>A</a:t>
+            </a:r>
+            <a:r>
+              <a:rPr lang="en-US" sz="2400" dirty="0"/>
+              <a:t>lignment </a:t>
+            </a:r>
+            <a:r>
+              <a:rPr lang="en-US" sz="2400" b="1" dirty="0"/>
+              <a:t>M</a:t>
+            </a:r>
+            <a:r>
+              <a:rPr lang="en-US" sz="2400" dirty="0"/>
+              <a:t>ap </a:t>
+            </a:r>
+            <a:r>
+              <a:rPr lang="en-US" sz="2400" b="1" dirty="0"/>
+              <a:t>/ B</a:t>
+            </a:r>
+            <a:r>
+              <a:rPr lang="en-US" sz="2400" dirty="0"/>
+              <a:t>inary </a:t>
+            </a:r>
+            <a:r>
+              <a:rPr lang="en-US" sz="2400" b="1" dirty="0"/>
+              <a:t>A</a:t>
+            </a:r>
+            <a:r>
+              <a:rPr lang="en-US" sz="2400" dirty="0"/>
+              <a:t>lignment </a:t>
+            </a:r>
+            <a:r>
+              <a:rPr lang="en-US" sz="2400" b="1" dirty="0"/>
+              <a:t>M</a:t>
+            </a:r>
+            <a:r>
+              <a:rPr lang="en-US" sz="2400" dirty="0"/>
+              <a:t>ap</a:t>
+            </a:r>
+          </a:p>
+        </p:txBody>
+      </p:sp>
+      <p:pic>
+        <p:nvPicPr>
+          <p:cNvPr id="7" name="Resim 6">
+            <a:extLst>
+              <a:ext uri="{FF2B5EF4-FFF2-40B4-BE49-F238E27FC236}">
+                <a16:creationId xmlns:a16="http://schemas.microsoft.com/office/drawing/2014/main" id="{27372003-C04D-7D3B-8F9C-2CE3B545930D}"/>
+              </a:ext>
+            </a:extLst>
+          </p:cNvPr>
+          <p:cNvPicPr>
+            <a:picLocks noChangeAspect="1"/>
+          </p:cNvPicPr>
+          <p:nvPr/>
+        </p:nvPicPr>
+        <p:blipFill>
+          <a:blip r:embed="rId2"/>
+          <a:stretch>
+            <a:fillRect/>
+          </a:stretch>
+        </p:blipFill>
+        <p:spPr>
+          <a:xfrm>
+            <a:off x="1043502" y="3081538"/>
+            <a:ext cx="10104996" cy="1554615"/>
+          </a:xfrm>
+          <a:prstGeom prst="rect">
+            <a:avLst/>
+          </a:prstGeom>
+        </p:spPr>
+      </p:pic>
+      <p:sp>
+        <p:nvSpPr>
+          <p:cNvPr id="4" name="Rectangle 4">
+            <a:extLst>
+              <a:ext uri="{FF2B5EF4-FFF2-40B4-BE49-F238E27FC236}">
+                <a16:creationId xmlns:a16="http://schemas.microsoft.com/office/drawing/2014/main" id="{4406B70E-1892-B962-2181-85B7560869EF}"/>
+              </a:ext>
+            </a:extLst>
+          </p:cNvPr>
+          <p:cNvSpPr/>
+          <p:nvPr/>
+        </p:nvSpPr>
+        <p:spPr>
+          <a:xfrm>
+            <a:off x="9997381" y="6027003"/>
+            <a:ext cx="1984709" cy="830997"/>
+          </a:xfrm>
+          <a:prstGeom prst="rect">
+            <a:avLst/>
+          </a:prstGeom>
+        </p:spPr>
+        <p:txBody>
+          <a:bodyPr wrap="none">
+            <a:spAutoFit/>
+          </a:bodyPr>
+          <a:lstStyle/>
+          <a:p>
+            <a:pPr algn="r"/>
+            <a:r>
+              <a:rPr lang="en-US" sz="1200" i="1" dirty="0">
+                <a:latin typeface="Helvetica"/>
+                <a:cs typeface="Helvetica"/>
+              </a:rPr>
+              <a:t>GATK Workshop Slide Set</a:t>
+            </a:r>
+            <a:br>
+              <a:rPr lang="en-US" sz="1200" i="1" dirty="0">
+                <a:latin typeface="Helvetica"/>
+                <a:cs typeface="Helvetica"/>
+              </a:rPr>
+            </a:br>
+            <a:r>
+              <a:rPr lang="en-US" sz="1200" i="1" dirty="0">
+                <a:latin typeface="Helvetica"/>
+                <a:cs typeface="Helvetica"/>
+              </a:rPr>
+              <a:t>Gujarat, India</a:t>
+            </a:r>
+            <a:br>
+              <a:rPr lang="en-US" sz="1200" i="1" dirty="0">
+                <a:latin typeface="Helvetica"/>
+                <a:cs typeface="Helvetica"/>
+              </a:rPr>
+            </a:br>
+            <a:r>
+              <a:rPr lang="en-US" sz="1200" i="1" dirty="0">
+                <a:latin typeface="Helvetica"/>
+                <a:cs typeface="Helvetica"/>
+              </a:rPr>
+              <a:t>Mar. 2-5, 2020</a:t>
+            </a:r>
+          </a:p>
+          <a:p>
+            <a:pPr algn="r"/>
+            <a:endParaRPr lang="en-US" sz="1200" i="1" dirty="0">
+              <a:latin typeface="Helvetica"/>
+              <a:cs typeface="Helvetica"/>
+            </a:endParaRPr>
+          </a:p>
+        </p:txBody>
+      </p:sp>
+    </p:spTree>
+    <p:extLst>
+      <p:ext uri="{BB962C8B-B14F-4D97-AF65-F5344CB8AC3E}">
+        <p14:creationId xmlns:p14="http://schemas.microsoft.com/office/powerpoint/2010/main" val="223683521"/>
+      </p:ext>
+    </p:extLst>
+  </p:cSld>
+  <p:clrMapOvr>
+    <a:masterClrMapping/>
+  </p:clrMapOvr>
+</p:sld>
+</file>
+
+<file path=ppt/slides/slide21.xml><?xml version="1.0" encoding="utf-8"?>
+<p:sld xmlns:a="http://schemas.openxmlformats.org/drawingml/2006/main" xmlns:r="http://schemas.openxmlformats.org/officeDocument/2006/relationships" xmlns:p="http://schemas.openxmlformats.org/presentationml/2006/main">
+  <p:cSld>
+    <p:spTree>
+      <p:nvGrpSpPr>
+        <p:cNvPr id="1" name=""/>
+        <p:cNvGrpSpPr/>
+        <p:nvPr/>
+      </p:nvGrpSpPr>
+      <p:grpSpPr>
+        <a:xfrm>
+          <a:off x="0" y="0"/>
+          <a:ext cx="0" cy="0"/>
+          <a:chOff x="0" y="0"/>
+          <a:chExt cx="0" cy="0"/>
+        </a:xfrm>
+      </p:grpSpPr>
       <p:pic>
         <p:nvPicPr>
           <p:cNvPr id="4" name="Picture 3" descr="Screen Shot 2015-08-09 at 5.42.14 PM.png"/>
@@ -5886,7 +6059,7 @@
 </p:sld>
 </file>
 
-<file path=ppt/slides/slide21.xml><?xml version="1.0" encoding="utf-8"?>
+<file path=ppt/slides/slide22.xml><?xml version="1.0" encoding="utf-8"?>
 <p:sld xmlns:a="http://schemas.openxmlformats.org/drawingml/2006/main" xmlns:r="http://schemas.openxmlformats.org/officeDocument/2006/relationships" xmlns:p="http://schemas.openxmlformats.org/presentationml/2006/main">
   <p:cSld>
     <p:spTree>
@@ -5970,7 +6143,7 @@
 </p:sld>
 </file>
 
-<file path=ppt/slides/slide22.xml><?xml version="1.0" encoding="utf-8"?>
+<file path=ppt/slides/slide23.xml><?xml version="1.0" encoding="utf-8"?>
 <p:sld xmlns:a="http://schemas.openxmlformats.org/drawingml/2006/main" xmlns:r="http://schemas.openxmlformats.org/officeDocument/2006/relationships" xmlns:p="http://schemas.openxmlformats.org/presentationml/2006/main">
   <p:cSld>
     <p:spTree>
@@ -6126,7 +6299,7 @@
 </p:sld>
 </file>
 
-<file path=ppt/slides/slide23.xml><?xml version="1.0" encoding="utf-8"?>
+<file path=ppt/slides/slide24.xml><?xml version="1.0" encoding="utf-8"?>
 <p:sld xmlns:a="http://schemas.openxmlformats.org/drawingml/2006/main" xmlns:r="http://schemas.openxmlformats.org/officeDocument/2006/relationships" xmlns:p="http://schemas.openxmlformats.org/presentationml/2006/main">
   <p:cSld>
     <p:spTree>
@@ -7046,10 +7219,10 @@
       </p:grpSpPr>
       <p:sp>
         <p:nvSpPr>
-          <p:cNvPr id="2" name="Title 1">
-            <a:extLst>
-              <a:ext uri="{FF2B5EF4-FFF2-40B4-BE49-F238E27FC236}">
-                <a16:creationId xmlns:a16="http://schemas.microsoft.com/office/drawing/2014/main" id="{FBBDBA39-62B5-234D-95B9-8A129AF9E3D3}"/>
+          <p:cNvPr id="2" name="Başlık 1">
+            <a:extLst>
+              <a:ext uri="{FF2B5EF4-FFF2-40B4-BE49-F238E27FC236}">
+                <a16:creationId xmlns:a16="http://schemas.microsoft.com/office/drawing/2014/main" id="{4465167C-F6C6-C985-0B42-DF416376130D}"/>
               </a:ext>
             </a:extLst>
           </p:cNvPr>
@@ -7067,17 +7240,18 @@
           <a:p>
             <a:r>
               <a:rPr lang="en-US" b="1" dirty="0"/>
-              <a:t>Pair-end Reads Advantage</a:t>
-            </a:r>
-          </a:p>
-        </p:txBody>
-      </p:sp>
-      <p:sp>
-        <p:nvSpPr>
-          <p:cNvPr id="3" name="Content Placeholder 2">
-            <a:extLst>
-              <a:ext uri="{FF2B5EF4-FFF2-40B4-BE49-F238E27FC236}">
-                <a16:creationId xmlns:a16="http://schemas.microsoft.com/office/drawing/2014/main" id="{3083535A-9D48-8E43-B0FE-34BB34E1C7C9}"/>
+              <a:t>Terminology – Pair-end Sequencing</a:t>
+            </a:r>
+            <a:endParaRPr lang="tr-TR" dirty="0"/>
+          </a:p>
+        </p:txBody>
+      </p:sp>
+      <p:sp>
+        <p:nvSpPr>
+          <p:cNvPr id="3" name="İçerik Yer Tutucusu 2">
+            <a:extLst>
+              <a:ext uri="{FF2B5EF4-FFF2-40B4-BE49-F238E27FC236}">
+                <a16:creationId xmlns:a16="http://schemas.microsoft.com/office/drawing/2014/main" id="{A84767AB-FCBF-EE28-BC6C-AEA51E0304D9}"/>
               </a:ext>
             </a:extLst>
           </p:cNvPr>
@@ -7087,80 +7261,66 @@
           <p:nvPr>
             <p:ph idx="1"/>
           </p:nvPr>
-        </p:nvSpPr>
-        <p:spPr/>
-        <p:txBody>
-          <a:bodyPr anchor="ctr"/>
-          <a:lstStyle/>
-          <a:p>
-            <a:r>
-              <a:rPr lang="en-US" dirty="0"/>
-              <a:t>DNA fragments are typically longer than the measured read lengths</a:t>
-            </a:r>
-          </a:p>
-          <a:p>
-            <a:pPr lvl="1"/>
-            <a:r>
-              <a:rPr lang="en-US" dirty="0"/>
-              <a:t>For many applications, it is greatly advantageous to be able to measure (if not the entire fragment) at least both ends of it</a:t>
-            </a:r>
-          </a:p>
-          <a:p>
-            <a:pPr lvl="1"/>
-            <a:r>
-              <a:rPr lang="en-US" dirty="0"/>
-              <a:t>Recommended for genomic variation and genome assembly analyses</a:t>
-            </a:r>
-          </a:p>
-        </p:txBody>
-      </p:sp>
-      <p:sp>
-        <p:nvSpPr>
-          <p:cNvPr id="4" name="TextBox 3">
-            <a:extLst>
-              <a:ext uri="{FF2B5EF4-FFF2-40B4-BE49-F238E27FC236}">
-                <a16:creationId xmlns:a16="http://schemas.microsoft.com/office/drawing/2014/main" id="{6809DC8F-CF61-534D-A4BF-2937CA33703D}"/>
-              </a:ext>
-            </a:extLst>
-          </p:cNvPr>
-          <p:cNvSpPr txBox="1"/>
-          <p:nvPr/>
         </p:nvSpPr>
         <p:spPr>
           <a:xfrm>
-            <a:off x="9790493" y="6338986"/>
-            <a:ext cx="2180790" cy="307777"/>
+            <a:off x="838200" y="6158090"/>
+            <a:ext cx="10515600" cy="516827"/>
+          </a:xfrm>
+        </p:spPr>
+        <p:txBody>
+          <a:bodyPr>
+            <a:normAutofit/>
+          </a:bodyPr>
+          <a:lstStyle/>
+          <a:p>
+            <a:pPr marL="0" indent="0">
+              <a:buNone/>
+            </a:pPr>
+            <a:r>
+              <a:rPr lang="tr-TR" sz="1600" b="0" i="0" u="none" strike="noStrike" baseline="0" dirty="0">
+                <a:latin typeface="Calibri" panose="020F0502020204030204" pitchFamily="34" charset="0"/>
+              </a:rPr>
+              <a:t>https://www.illumina.com/science/technology/next-generation-sequencing/paired-end-vs-single-read-sequencing.html</a:t>
+            </a:r>
+            <a:endParaRPr lang="tr-TR" sz="2400" dirty="0"/>
+          </a:p>
+        </p:txBody>
+      </p:sp>
+      <p:pic>
+        <p:nvPicPr>
+          <p:cNvPr id="5" name="Resim 4">
+            <a:extLst>
+              <a:ext uri="{FF2B5EF4-FFF2-40B4-BE49-F238E27FC236}">
+                <a16:creationId xmlns:a16="http://schemas.microsoft.com/office/drawing/2014/main" id="{2AAB91F2-C79F-3389-7B25-B93EC1310A5A}"/>
+              </a:ext>
+            </a:extLst>
+          </p:cNvPr>
+          <p:cNvPicPr>
+            <a:picLocks noChangeAspect="1"/>
+          </p:cNvPicPr>
+          <p:nvPr/>
+        </p:nvPicPr>
+        <p:blipFill>
+          <a:blip r:embed="rId2"/>
+          <a:stretch>
+            <a:fillRect/>
+          </a:stretch>
+        </p:blipFill>
+        <p:spPr>
+          <a:xfrm>
+            <a:off x="1414020" y="1776134"/>
+            <a:ext cx="9363959" cy="4381956"/>
           </a:xfrm>
           <a:prstGeom prst="rect">
             <a:avLst/>
           </a:prstGeom>
-          <a:noFill/>
         </p:spPr>
-        <p:txBody>
-          <a:bodyPr wrap="none" rtlCol="0">
-            <a:spAutoFit/>
-          </a:bodyPr>
-          <a:lstStyle/>
-          <a:p>
-            <a:r>
-              <a:rPr lang="en-US" sz="1400" i="1" dirty="0"/>
-              <a:t>from The </a:t>
-            </a:r>
-            <a:r>
-              <a:rPr lang="en-US" sz="1400" i="1" dirty="0" err="1"/>
-              <a:t>Biostar</a:t>
-            </a:r>
-            <a:r>
-              <a:rPr lang="en-US" sz="1400" i="1" dirty="0"/>
-              <a:t> Handbook</a:t>
-            </a:r>
-          </a:p>
-        </p:txBody>
-      </p:sp>
+      </p:pic>
     </p:spTree>
     <p:extLst>
       <p:ext uri="{BB962C8B-B14F-4D97-AF65-F5344CB8AC3E}">
-        <p14:creationId xmlns:p14="http://schemas.microsoft.com/office/powerpoint/2010/main" val="3487377578"/>
+        <p14:creationId xmlns:p14="http://schemas.microsoft.com/office/powerpoint/2010/main" val="3582633206"/>
       </p:ext>
     </p:extLst>
   </p:cSld>
@@ -7192,7 +7352,7 @@
           <p:cNvPr id="2" name="Title 1">
             <a:extLst>
               <a:ext uri="{FF2B5EF4-FFF2-40B4-BE49-F238E27FC236}">
-                <a16:creationId xmlns:a16="http://schemas.microsoft.com/office/drawing/2014/main" id="{ED0BC269-71F5-AD45-A995-F0F475BA2588}"/>
+                <a16:creationId xmlns:a16="http://schemas.microsoft.com/office/drawing/2014/main" id="{FBBDBA39-62B5-234D-95B9-8A129AF9E3D3}"/>
               </a:ext>
             </a:extLst>
           </p:cNvPr>
@@ -7210,122 +7370,100 @@
           <a:p>
             <a:r>
               <a:rPr lang="en-US" b="1" dirty="0"/>
-              <a:t>Terminology – Coverage</a:t>
-            </a:r>
-          </a:p>
-        </p:txBody>
-      </p:sp>
-      <p:pic>
-        <p:nvPicPr>
-          <p:cNvPr id="4" name="Picture 3" descr="Screen Shot 2015-08-09 at 3.08.19 PM.png">
-            <a:extLst>
-              <a:ext uri="{FF2B5EF4-FFF2-40B4-BE49-F238E27FC236}">
-                <a16:creationId xmlns:a16="http://schemas.microsoft.com/office/drawing/2014/main" id="{B06F0339-C2DC-104B-A9CB-3EE9298B6E74}"/>
-              </a:ext>
-            </a:extLst>
-          </p:cNvPr>
-          <p:cNvPicPr>
-            <a:picLocks noChangeAspect="1"/>
-          </p:cNvPicPr>
+              <a:t>Pair-end Reads Advantage</a:t>
+            </a:r>
+          </a:p>
+        </p:txBody>
+      </p:sp>
+      <p:sp>
+        <p:nvSpPr>
+          <p:cNvPr id="3" name="Content Placeholder 2">
+            <a:extLst>
+              <a:ext uri="{FF2B5EF4-FFF2-40B4-BE49-F238E27FC236}">
+                <a16:creationId xmlns:a16="http://schemas.microsoft.com/office/drawing/2014/main" id="{3083535A-9D48-8E43-B0FE-34BB34E1C7C9}"/>
+              </a:ext>
+            </a:extLst>
+          </p:cNvPr>
+          <p:cNvSpPr>
+            <a:spLocks noGrp="1"/>
+          </p:cNvSpPr>
+          <p:nvPr>
+            <p:ph idx="1"/>
+          </p:nvPr>
+        </p:nvSpPr>
+        <p:spPr/>
+        <p:txBody>
+          <a:bodyPr anchor="ctr"/>
+          <a:lstStyle/>
+          <a:p>
+            <a:r>
+              <a:rPr lang="en-US" dirty="0"/>
+              <a:t>DNA fragments are typically longer than the measured read lengths</a:t>
+            </a:r>
+          </a:p>
+          <a:p>
+            <a:pPr lvl="1"/>
+            <a:r>
+              <a:rPr lang="en-US" dirty="0"/>
+              <a:t>For many applications, it is greatly advantageous to be able to measure (if not the entire fragment) at least both ends of it</a:t>
+            </a:r>
+          </a:p>
+          <a:p>
+            <a:pPr lvl="1"/>
+            <a:r>
+              <a:rPr lang="en-US" dirty="0"/>
+              <a:t>Recommended for genomic variation and genome assembly analyses</a:t>
+            </a:r>
+          </a:p>
+        </p:txBody>
+      </p:sp>
+      <p:sp>
+        <p:nvSpPr>
+          <p:cNvPr id="4" name="TextBox 3">
+            <a:extLst>
+              <a:ext uri="{FF2B5EF4-FFF2-40B4-BE49-F238E27FC236}">
+                <a16:creationId xmlns:a16="http://schemas.microsoft.com/office/drawing/2014/main" id="{6809DC8F-CF61-534D-A4BF-2937CA33703D}"/>
+              </a:ext>
+            </a:extLst>
+          </p:cNvPr>
+          <p:cNvSpPr txBox="1"/>
           <p:nvPr/>
-        </p:nvPicPr>
-        <p:blipFill>
-          <a:blip r:embed="rId2">
-            <a:extLst>
-              <a:ext uri="{28A0092B-C50C-407E-A947-70E740481C1C}">
-                <a14:useLocalDpi xmlns:a14="http://schemas.microsoft.com/office/drawing/2010/main" val="0"/>
-              </a:ext>
-            </a:extLst>
-          </a:blip>
-          <a:stretch>
-            <a:fillRect/>
-          </a:stretch>
-        </p:blipFill>
+        </p:nvSpPr>
         <p:spPr>
           <a:xfrm>
-            <a:off x="2871873" y="1373573"/>
-            <a:ext cx="6448253" cy="5484427"/>
+            <a:off x="9790493" y="6338986"/>
+            <a:ext cx="2180790" cy="307777"/>
           </a:xfrm>
           <a:prstGeom prst="rect">
             <a:avLst/>
           </a:prstGeom>
+          <a:noFill/>
         </p:spPr>
-      </p:pic>
-      <p:sp>
-        <p:nvSpPr>
-          <p:cNvPr id="5" name="Rectangle 4">
-            <a:extLst>
-              <a:ext uri="{FF2B5EF4-FFF2-40B4-BE49-F238E27FC236}">
-                <a16:creationId xmlns:a16="http://schemas.microsoft.com/office/drawing/2014/main" id="{7E90C65C-4D5C-AE4A-9D4C-7B074A9AFF28}"/>
-              </a:ext>
-            </a:extLst>
-          </p:cNvPr>
-          <p:cNvSpPr/>
-          <p:nvPr/>
-        </p:nvSpPr>
-        <p:spPr>
-          <a:xfrm>
-            <a:off x="9136104" y="6027003"/>
-            <a:ext cx="2401719" cy="830997"/>
-          </a:xfrm>
-          <a:prstGeom prst="rect">
-            <a:avLst/>
-          </a:prstGeom>
-        </p:spPr>
-        <p:txBody>
-          <a:bodyPr wrap="none">
+        <p:txBody>
+          <a:bodyPr wrap="none" rtlCol="0">
             <a:spAutoFit/>
           </a:bodyPr>
           <a:lstStyle/>
           <a:p>
-            <a:pPr algn="r"/>
-            <a:r>
-              <a:rPr lang="en-US" sz="1200" i="1" dirty="0">
-                <a:latin typeface="Helvetica"/>
-                <a:cs typeface="Helvetica"/>
-              </a:rPr>
-              <a:t>GATK Workshop Slide Set</a:t>
-            </a:r>
-            <a:br>
-              <a:rPr lang="en-US" sz="1200" i="1" dirty="0">
-                <a:latin typeface="Helvetica"/>
-                <a:cs typeface="Helvetica"/>
-              </a:rPr>
-            </a:br>
-            <a:r>
-              <a:rPr lang="en-US" sz="1200" i="1" dirty="0">
-                <a:latin typeface="Helvetica"/>
-                <a:cs typeface="Helvetica"/>
-              </a:rPr>
-              <a:t>University of Pretoria</a:t>
-            </a:r>
-            <a:br>
-              <a:rPr lang="en-US" sz="1200" i="1" dirty="0">
-                <a:latin typeface="Helvetica"/>
-                <a:cs typeface="Helvetica"/>
-              </a:rPr>
-            </a:br>
-            <a:r>
-              <a:rPr lang="en-US" sz="1200" i="1" dirty="0">
-                <a:latin typeface="Helvetica"/>
-                <a:cs typeface="Helvetica"/>
-              </a:rPr>
-              <a:t>South Africa, 22-26 June, 2015 </a:t>
-            </a:r>
-          </a:p>
-          <a:p>
-            <a:pPr algn="r"/>
-            <a:endParaRPr lang="en-US" sz="1200" i="1" dirty="0">
-              <a:latin typeface="Helvetica"/>
-              <a:cs typeface="Helvetica"/>
-            </a:endParaRPr>
+            <a:r>
+              <a:rPr lang="en-US" sz="1400" i="1" dirty="0"/>
+              <a:t>from The </a:t>
+            </a:r>
+            <a:r>
+              <a:rPr lang="en-US" sz="1400" i="1" dirty="0" err="1"/>
+              <a:t>Biostar</a:t>
+            </a:r>
+            <a:r>
+              <a:rPr lang="en-US" sz="1400" i="1" dirty="0"/>
+              <a:t> Handbook</a:t>
+            </a:r>
           </a:p>
         </p:txBody>
       </p:sp>
     </p:spTree>
     <p:extLst>
       <p:ext uri="{BB962C8B-B14F-4D97-AF65-F5344CB8AC3E}">
-        <p14:creationId xmlns:p14="http://schemas.microsoft.com/office/powerpoint/2010/main" val="2362627734"/>
+        <p14:creationId xmlns:p14="http://schemas.microsoft.com/office/powerpoint/2010/main" val="3487377578"/>
       </p:ext>
     </p:extLst>
   </p:cSld>

--- a/Presentations/0.WES_terminology_formats.pptx
+++ b/Presentations/0.WES_terminology_formats.pptx
@@ -5,7 +5,7 @@
     <p:sldMasterId id="2147483648" r:id="rId1"/>
   </p:sldMasterIdLst>
   <p:notesMasterIdLst>
-    <p:notesMasterId r:id="rId26"/>
+    <p:notesMasterId r:id="rId27"/>
   </p:notesMasterIdLst>
   <p:sldIdLst>
     <p:sldId id="256" r:id="rId2"/>
@@ -27,11 +27,12 @@
     <p:sldId id="281" r:id="rId18"/>
     <p:sldId id="282" r:id="rId19"/>
     <p:sldId id="283" r:id="rId20"/>
-    <p:sldId id="284" r:id="rId21"/>
-    <p:sldId id="285" r:id="rId22"/>
-    <p:sldId id="286" r:id="rId23"/>
-    <p:sldId id="287" r:id="rId24"/>
-    <p:sldId id="288" r:id="rId25"/>
+    <p:sldId id="286" r:id="rId21"/>
+    <p:sldId id="284" r:id="rId22"/>
+    <p:sldId id="296" r:id="rId23"/>
+    <p:sldId id="285" r:id="rId24"/>
+    <p:sldId id="287" r:id="rId25"/>
+    <p:sldId id="288" r:id="rId26"/>
   </p:sldIdLst>
   <p:sldSz cx="12192000" cy="6858000"/>
   <p:notesSz cx="6858000" cy="9144000"/>
@@ -162,9 +163,10 @@
             <p14:sldId id="281"/>
             <p14:sldId id="282"/>
             <p14:sldId id="283"/>
+            <p14:sldId id="286"/>
             <p14:sldId id="284"/>
+            <p14:sldId id="296"/>
             <p14:sldId id="285"/>
-            <p14:sldId id="286"/>
             <p14:sldId id="287"/>
             <p14:sldId id="288"/>
           </p14:sldIdLst>
@@ -260,7 +262,7 @@
           <a:p>
             <a:fld id="{32BF3A05-53FF-7C45-B5E5-052E57A50E87}" type="datetimeFigureOut">
               <a:rPr lang="en-US" smtClean="0"/>
-              <a:t>8/11/2023</a:t>
+              <a:t>9/11/2023</a:t>
             </a:fld>
             <a:endParaRPr lang="en-US"/>
           </a:p>
@@ -595,7 +597,7 @@
           <a:p>
             <a:fld id="{B9FE7392-740F-5146-B2D6-AC1736C64E1C}" type="slidenum">
               <a:rPr lang="en-US" smtClean="0"/>
-              <a:t>21</a:t>
+              <a:t>23</a:t>
             </a:fld>
             <a:endParaRPr lang="en-US"/>
           </a:p>
@@ -761,7 +763,7 @@
           <a:p>
             <a:fld id="{ABC3D20F-9E00-9645-BA2A-A69E1752E500}" type="datetimeFigureOut">
               <a:rPr lang="en-US" smtClean="0"/>
-              <a:t>8/11/2023</a:t>
+              <a:t>9/11/2023</a:t>
             </a:fld>
             <a:endParaRPr lang="en-US"/>
           </a:p>
@@ -959,7 +961,7 @@
           <a:p>
             <a:fld id="{ABC3D20F-9E00-9645-BA2A-A69E1752E500}" type="datetimeFigureOut">
               <a:rPr lang="en-US" smtClean="0"/>
-              <a:t>8/11/2023</a:t>
+              <a:t>9/11/2023</a:t>
             </a:fld>
             <a:endParaRPr lang="en-US"/>
           </a:p>
@@ -1167,7 +1169,7 @@
           <a:p>
             <a:fld id="{ABC3D20F-9E00-9645-BA2A-A69E1752E500}" type="datetimeFigureOut">
               <a:rPr lang="en-US" smtClean="0"/>
-              <a:t>8/11/2023</a:t>
+              <a:t>9/11/2023</a:t>
             </a:fld>
             <a:endParaRPr lang="en-US"/>
           </a:p>
@@ -1365,7 +1367,7 @@
           <a:p>
             <a:fld id="{ABC3D20F-9E00-9645-BA2A-A69E1752E500}" type="datetimeFigureOut">
               <a:rPr lang="en-US" smtClean="0"/>
-              <a:t>8/11/2023</a:t>
+              <a:t>9/11/2023</a:t>
             </a:fld>
             <a:endParaRPr lang="en-US"/>
           </a:p>
@@ -1640,7 +1642,7 @@
           <a:p>
             <a:fld id="{ABC3D20F-9E00-9645-BA2A-A69E1752E500}" type="datetimeFigureOut">
               <a:rPr lang="en-US" smtClean="0"/>
-              <a:t>8/11/2023</a:t>
+              <a:t>9/11/2023</a:t>
             </a:fld>
             <a:endParaRPr lang="en-US"/>
           </a:p>
@@ -1905,7 +1907,7 @@
           <a:p>
             <a:fld id="{ABC3D20F-9E00-9645-BA2A-A69E1752E500}" type="datetimeFigureOut">
               <a:rPr lang="en-US" smtClean="0"/>
-              <a:t>8/11/2023</a:t>
+              <a:t>9/11/2023</a:t>
             </a:fld>
             <a:endParaRPr lang="en-US"/>
           </a:p>
@@ -2317,7 +2319,7 @@
           <a:p>
             <a:fld id="{ABC3D20F-9E00-9645-BA2A-A69E1752E500}" type="datetimeFigureOut">
               <a:rPr lang="en-US" smtClean="0"/>
-              <a:t>8/11/2023</a:t>
+              <a:t>9/11/2023</a:t>
             </a:fld>
             <a:endParaRPr lang="en-US"/>
           </a:p>
@@ -2458,7 +2460,7 @@
           <a:p>
             <a:fld id="{ABC3D20F-9E00-9645-BA2A-A69E1752E500}" type="datetimeFigureOut">
               <a:rPr lang="en-US" smtClean="0"/>
-              <a:t>8/11/2023</a:t>
+              <a:t>9/11/2023</a:t>
             </a:fld>
             <a:endParaRPr lang="en-US"/>
           </a:p>
@@ -2571,7 +2573,7 @@
           <a:p>
             <a:fld id="{ABC3D20F-9E00-9645-BA2A-A69E1752E500}" type="datetimeFigureOut">
               <a:rPr lang="en-US" smtClean="0"/>
-              <a:t>8/11/2023</a:t>
+              <a:t>9/11/2023</a:t>
             </a:fld>
             <a:endParaRPr lang="en-US"/>
           </a:p>
@@ -2882,7 +2884,7 @@
           <a:p>
             <a:fld id="{ABC3D20F-9E00-9645-BA2A-A69E1752E500}" type="datetimeFigureOut">
               <a:rPr lang="en-US" smtClean="0"/>
-              <a:t>8/11/2023</a:t>
+              <a:t>9/11/2023</a:t>
             </a:fld>
             <a:endParaRPr lang="en-US"/>
           </a:p>
@@ -3170,7 +3172,7 @@
           <a:p>
             <a:fld id="{ABC3D20F-9E00-9645-BA2A-A69E1752E500}" type="datetimeFigureOut">
               <a:rPr lang="en-US" smtClean="0"/>
-              <a:t>8/11/2023</a:t>
+              <a:t>9/11/2023</a:t>
             </a:fld>
             <a:endParaRPr lang="en-US"/>
           </a:p>
@@ -3411,7 +3413,7 @@
           <a:p>
             <a:fld id="{ABC3D20F-9E00-9645-BA2A-A69E1752E500}" type="datetimeFigureOut">
               <a:rPr lang="en-US" smtClean="0"/>
-              <a:t>8/11/2023</a:t>
+              <a:t>9/11/2023</a:t>
             </a:fld>
             <a:endParaRPr lang="en-US"/>
           </a:p>
@@ -5709,392 +5711,6 @@
           <a:p>
             <a:r>
               <a:rPr lang="en-US" b="1" dirty="0"/>
-              <a:t>Important File Format #2: </a:t>
-            </a:r>
-            <a:br>
-              <a:rPr lang="en-US" b="1" dirty="0"/>
-            </a:br>
-            <a:r>
-              <a:rPr lang="en-US" b="1" dirty="0"/>
-              <a:t>SAM/BAM(aligned reads)</a:t>
-            </a:r>
-          </a:p>
-        </p:txBody>
-      </p:sp>
-      <p:sp>
-        <p:nvSpPr>
-          <p:cNvPr id="3" name="Content Placeholder 2"/>
-          <p:cNvSpPr>
-            <a:spLocks noGrp="1"/>
-          </p:cNvSpPr>
-          <p:nvPr>
-            <p:ph idx="1"/>
-          </p:nvPr>
-        </p:nvSpPr>
-        <p:spPr>
-          <a:xfrm>
-            <a:off x="1981200" y="1600201"/>
-            <a:ext cx="8229600" cy="552020"/>
-          </a:xfrm>
-        </p:spPr>
-        <p:txBody>
-          <a:bodyPr>
-            <a:normAutofit/>
-          </a:bodyPr>
-          <a:lstStyle/>
-          <a:p>
-            <a:pPr marL="0" indent="0" algn="ctr">
-              <a:buNone/>
-            </a:pPr>
-            <a:r>
-              <a:rPr lang="en-US" sz="2400" b="1" dirty="0"/>
-              <a:t>S</a:t>
-            </a:r>
-            <a:r>
-              <a:rPr lang="en-US" sz="2400" dirty="0"/>
-              <a:t>equence </a:t>
-            </a:r>
-            <a:r>
-              <a:rPr lang="en-US" sz="2400" b="1" dirty="0"/>
-              <a:t>A</a:t>
-            </a:r>
-            <a:r>
-              <a:rPr lang="en-US" sz="2400" dirty="0"/>
-              <a:t>lignment </a:t>
-            </a:r>
-            <a:r>
-              <a:rPr lang="en-US" sz="2400" b="1" dirty="0"/>
-              <a:t>M</a:t>
-            </a:r>
-            <a:r>
-              <a:rPr lang="en-US" sz="2400" dirty="0"/>
-              <a:t>ap </a:t>
-            </a:r>
-            <a:r>
-              <a:rPr lang="en-US" sz="2400" b="1" dirty="0"/>
-              <a:t>/ B</a:t>
-            </a:r>
-            <a:r>
-              <a:rPr lang="en-US" sz="2400" dirty="0"/>
-              <a:t>inary </a:t>
-            </a:r>
-            <a:r>
-              <a:rPr lang="en-US" sz="2400" b="1" dirty="0"/>
-              <a:t>A</a:t>
-            </a:r>
-            <a:r>
-              <a:rPr lang="en-US" sz="2400" dirty="0"/>
-              <a:t>lignment </a:t>
-            </a:r>
-            <a:r>
-              <a:rPr lang="en-US" sz="2400" b="1" dirty="0"/>
-              <a:t>M</a:t>
-            </a:r>
-            <a:r>
-              <a:rPr lang="en-US" sz="2400" dirty="0"/>
-              <a:t>ap</a:t>
-            </a:r>
-          </a:p>
-        </p:txBody>
-      </p:sp>
-      <p:pic>
-        <p:nvPicPr>
-          <p:cNvPr id="7" name="Resim 6">
-            <a:extLst>
-              <a:ext uri="{FF2B5EF4-FFF2-40B4-BE49-F238E27FC236}">
-                <a16:creationId xmlns:a16="http://schemas.microsoft.com/office/drawing/2014/main" id="{27372003-C04D-7D3B-8F9C-2CE3B545930D}"/>
-              </a:ext>
-            </a:extLst>
-          </p:cNvPr>
-          <p:cNvPicPr>
-            <a:picLocks noChangeAspect="1"/>
-          </p:cNvPicPr>
-          <p:nvPr/>
-        </p:nvPicPr>
-        <p:blipFill>
-          <a:blip r:embed="rId2"/>
-          <a:stretch>
-            <a:fillRect/>
-          </a:stretch>
-        </p:blipFill>
-        <p:spPr>
-          <a:xfrm>
-            <a:off x="1043502" y="3081538"/>
-            <a:ext cx="10104996" cy="1554615"/>
-          </a:xfrm>
-          <a:prstGeom prst="rect">
-            <a:avLst/>
-          </a:prstGeom>
-        </p:spPr>
-      </p:pic>
-      <p:sp>
-        <p:nvSpPr>
-          <p:cNvPr id="4" name="Rectangle 4">
-            <a:extLst>
-              <a:ext uri="{FF2B5EF4-FFF2-40B4-BE49-F238E27FC236}">
-                <a16:creationId xmlns:a16="http://schemas.microsoft.com/office/drawing/2014/main" id="{4406B70E-1892-B962-2181-85B7560869EF}"/>
-              </a:ext>
-            </a:extLst>
-          </p:cNvPr>
-          <p:cNvSpPr/>
-          <p:nvPr/>
-        </p:nvSpPr>
-        <p:spPr>
-          <a:xfrm>
-            <a:off x="9997381" y="6027003"/>
-            <a:ext cx="1984709" cy="830997"/>
-          </a:xfrm>
-          <a:prstGeom prst="rect">
-            <a:avLst/>
-          </a:prstGeom>
-        </p:spPr>
-        <p:txBody>
-          <a:bodyPr wrap="none">
-            <a:spAutoFit/>
-          </a:bodyPr>
-          <a:lstStyle/>
-          <a:p>
-            <a:pPr algn="r"/>
-            <a:r>
-              <a:rPr lang="en-US" sz="1200" i="1" dirty="0">
-                <a:latin typeface="Helvetica"/>
-                <a:cs typeface="Helvetica"/>
-              </a:rPr>
-              <a:t>GATK Workshop Slide Set</a:t>
-            </a:r>
-            <a:br>
-              <a:rPr lang="en-US" sz="1200" i="1" dirty="0">
-                <a:latin typeface="Helvetica"/>
-                <a:cs typeface="Helvetica"/>
-              </a:rPr>
-            </a:br>
-            <a:r>
-              <a:rPr lang="en-US" sz="1200" i="1" dirty="0">
-                <a:latin typeface="Helvetica"/>
-                <a:cs typeface="Helvetica"/>
-              </a:rPr>
-              <a:t>Gujarat, India</a:t>
-            </a:r>
-            <a:br>
-              <a:rPr lang="en-US" sz="1200" i="1" dirty="0">
-                <a:latin typeface="Helvetica"/>
-                <a:cs typeface="Helvetica"/>
-              </a:rPr>
-            </a:br>
-            <a:r>
-              <a:rPr lang="en-US" sz="1200" i="1" dirty="0">
-                <a:latin typeface="Helvetica"/>
-                <a:cs typeface="Helvetica"/>
-              </a:rPr>
-              <a:t>Mar. 2-5, 2020</a:t>
-            </a:r>
-          </a:p>
-          <a:p>
-            <a:pPr algn="r"/>
-            <a:endParaRPr lang="en-US" sz="1200" i="1" dirty="0">
-              <a:latin typeface="Helvetica"/>
-              <a:cs typeface="Helvetica"/>
-            </a:endParaRPr>
-          </a:p>
-        </p:txBody>
-      </p:sp>
-    </p:spTree>
-    <p:extLst>
-      <p:ext uri="{BB962C8B-B14F-4D97-AF65-F5344CB8AC3E}">
-        <p14:creationId xmlns:p14="http://schemas.microsoft.com/office/powerpoint/2010/main" val="223683521"/>
-      </p:ext>
-    </p:extLst>
-  </p:cSld>
-  <p:clrMapOvr>
-    <a:masterClrMapping/>
-  </p:clrMapOvr>
-</p:sld>
-</file>
-
-<file path=ppt/slides/slide21.xml><?xml version="1.0" encoding="utf-8"?>
-<p:sld xmlns:a="http://schemas.openxmlformats.org/drawingml/2006/main" xmlns:r="http://schemas.openxmlformats.org/officeDocument/2006/relationships" xmlns:p="http://schemas.openxmlformats.org/presentationml/2006/main">
-  <p:cSld>
-    <p:spTree>
-      <p:nvGrpSpPr>
-        <p:cNvPr id="1" name=""/>
-        <p:cNvGrpSpPr/>
-        <p:nvPr/>
-      </p:nvGrpSpPr>
-      <p:grpSpPr>
-        <a:xfrm>
-          <a:off x="0" y="0"/>
-          <a:ext cx="0" cy="0"/>
-          <a:chOff x="0" y="0"/>
-          <a:chExt cx="0" cy="0"/>
-        </a:xfrm>
-      </p:grpSpPr>
-      <p:pic>
-        <p:nvPicPr>
-          <p:cNvPr id="4" name="Picture 3" descr="Screen Shot 2015-08-09 at 5.42.14 PM.png"/>
-          <p:cNvPicPr>
-            <a:picLocks noChangeAspect="1"/>
-          </p:cNvPicPr>
-          <p:nvPr/>
-        </p:nvPicPr>
-        <p:blipFill rotWithShape="1">
-          <a:blip r:embed="rId3">
-            <a:extLst>
-              <a:ext uri="{28A0092B-C50C-407E-A947-70E740481C1C}">
-                <a14:useLocalDpi xmlns:a14="http://schemas.microsoft.com/office/drawing/2010/main" val="0"/>
-              </a:ext>
-            </a:extLst>
-          </a:blip>
-          <a:srcRect t="18717"/>
-          <a:stretch/>
-        </p:blipFill>
-        <p:spPr>
-          <a:xfrm>
-            <a:off x="1524000" y="1690309"/>
-            <a:ext cx="9144000" cy="4903074"/>
-          </a:xfrm>
-          <a:prstGeom prst="rect">
-            <a:avLst/>
-          </a:prstGeom>
-        </p:spPr>
-      </p:pic>
-      <p:sp>
-        <p:nvSpPr>
-          <p:cNvPr id="6" name="Title 5"/>
-          <p:cNvSpPr>
-            <a:spLocks noGrp="1"/>
-          </p:cNvSpPr>
-          <p:nvPr>
-            <p:ph type="title"/>
-          </p:nvPr>
-        </p:nvSpPr>
-        <p:spPr/>
-        <p:txBody>
-          <a:bodyPr>
-            <a:normAutofit/>
-          </a:bodyPr>
-          <a:lstStyle/>
-          <a:p>
-            <a:r>
-              <a:rPr lang="en-US" b="1" dirty="0"/>
-              <a:t>CIGAR – Explanation</a:t>
-            </a:r>
-          </a:p>
-        </p:txBody>
-      </p:sp>
-      <p:sp>
-        <p:nvSpPr>
-          <p:cNvPr id="8" name="Rectangle 7"/>
-          <p:cNvSpPr/>
-          <p:nvPr/>
-        </p:nvSpPr>
-        <p:spPr>
-          <a:xfrm>
-            <a:off x="9467140" y="6027003"/>
-            <a:ext cx="2401719" cy="830997"/>
-          </a:xfrm>
-          <a:prstGeom prst="rect">
-            <a:avLst/>
-          </a:prstGeom>
-        </p:spPr>
-        <p:txBody>
-          <a:bodyPr wrap="none">
-            <a:spAutoFit/>
-          </a:bodyPr>
-          <a:lstStyle/>
-          <a:p>
-            <a:pPr algn="r"/>
-            <a:r>
-              <a:rPr lang="en-US" sz="1200" i="1" dirty="0">
-                <a:latin typeface="Helvetica"/>
-                <a:cs typeface="Helvetica"/>
-              </a:rPr>
-              <a:t>GATK Workshop Slide Set</a:t>
-            </a:r>
-            <a:br>
-              <a:rPr lang="en-US" sz="1200" i="1" dirty="0">
-                <a:latin typeface="Helvetica"/>
-                <a:cs typeface="Helvetica"/>
-              </a:rPr>
-            </a:br>
-            <a:r>
-              <a:rPr lang="en-US" sz="1200" i="1" dirty="0">
-                <a:latin typeface="Helvetica"/>
-                <a:cs typeface="Helvetica"/>
-              </a:rPr>
-              <a:t>University of Pretoria</a:t>
-            </a:r>
-            <a:br>
-              <a:rPr lang="en-US" sz="1200" i="1" dirty="0">
-                <a:latin typeface="Helvetica"/>
-                <a:cs typeface="Helvetica"/>
-              </a:rPr>
-            </a:br>
-            <a:r>
-              <a:rPr lang="en-US" sz="1200" i="1" dirty="0">
-                <a:latin typeface="Helvetica"/>
-                <a:cs typeface="Helvetica"/>
-              </a:rPr>
-              <a:t>South Africa, 22-26 June, 2015 </a:t>
-            </a:r>
-          </a:p>
-          <a:p>
-            <a:pPr algn="r"/>
-            <a:endParaRPr lang="en-US" sz="1200" i="1" dirty="0">
-              <a:latin typeface="Helvetica"/>
-              <a:cs typeface="Helvetica"/>
-            </a:endParaRPr>
-          </a:p>
-        </p:txBody>
-      </p:sp>
-    </p:spTree>
-    <p:extLst>
-      <p:ext uri="{BB962C8B-B14F-4D97-AF65-F5344CB8AC3E}">
-        <p14:creationId xmlns:p14="http://schemas.microsoft.com/office/powerpoint/2010/main" val="187427934"/>
-      </p:ext>
-    </p:extLst>
-  </p:cSld>
-  <p:clrMapOvr>
-    <a:masterClrMapping/>
-  </p:clrMapOvr>
-</p:sld>
-</file>
-
-<file path=ppt/slides/slide22.xml><?xml version="1.0" encoding="utf-8"?>
-<p:sld xmlns:a="http://schemas.openxmlformats.org/drawingml/2006/main" xmlns:r="http://schemas.openxmlformats.org/officeDocument/2006/relationships" xmlns:p="http://schemas.openxmlformats.org/presentationml/2006/main">
-  <p:cSld>
-    <p:spTree>
-      <p:nvGrpSpPr>
-        <p:cNvPr id="1" name=""/>
-        <p:cNvGrpSpPr/>
-        <p:nvPr/>
-      </p:nvGrpSpPr>
-      <p:grpSpPr>
-        <a:xfrm>
-          <a:off x="0" y="0"/>
-          <a:ext cx="0" cy="0"/>
-          <a:chOff x="0" y="0"/>
-          <a:chExt cx="0" cy="0"/>
-        </a:xfrm>
-      </p:grpSpPr>
-      <p:sp>
-        <p:nvSpPr>
-          <p:cNvPr id="2" name="Title 1"/>
-          <p:cNvSpPr>
-            <a:spLocks noGrp="1"/>
-          </p:cNvSpPr>
-          <p:nvPr>
-            <p:ph type="title"/>
-          </p:nvPr>
-        </p:nvSpPr>
-        <p:spPr/>
-        <p:txBody>
-          <a:bodyPr>
-            <a:normAutofit/>
-          </a:bodyPr>
-          <a:lstStyle/>
-          <a:p>
-            <a:r>
-              <a:rPr lang="en-US" b="1" dirty="0"/>
               <a:t>SAM Headers </a:t>
             </a:r>
           </a:p>
@@ -6143,6 +5759,962 @@
 </p:sld>
 </file>
 
+<file path=ppt/slides/slide21.xml><?xml version="1.0" encoding="utf-8"?>
+<p:sld xmlns:a="http://schemas.openxmlformats.org/drawingml/2006/main" xmlns:r="http://schemas.openxmlformats.org/officeDocument/2006/relationships" xmlns:p="http://schemas.openxmlformats.org/presentationml/2006/main">
+  <p:cSld>
+    <p:spTree>
+      <p:nvGrpSpPr>
+        <p:cNvPr id="1" name=""/>
+        <p:cNvGrpSpPr/>
+        <p:nvPr/>
+      </p:nvGrpSpPr>
+      <p:grpSpPr>
+        <a:xfrm>
+          <a:off x="0" y="0"/>
+          <a:ext cx="0" cy="0"/>
+          <a:chOff x="0" y="0"/>
+          <a:chExt cx="0" cy="0"/>
+        </a:xfrm>
+      </p:grpSpPr>
+      <p:sp>
+        <p:nvSpPr>
+          <p:cNvPr id="2" name="Title 1"/>
+          <p:cNvSpPr>
+            <a:spLocks noGrp="1"/>
+          </p:cNvSpPr>
+          <p:nvPr>
+            <p:ph type="title"/>
+          </p:nvPr>
+        </p:nvSpPr>
+        <p:spPr>
+          <a:xfrm>
+            <a:off x="838200" y="319405"/>
+            <a:ext cx="10515600" cy="1325563"/>
+          </a:xfrm>
+        </p:spPr>
+        <p:txBody>
+          <a:bodyPr>
+            <a:normAutofit/>
+          </a:bodyPr>
+          <a:lstStyle/>
+          <a:p>
+            <a:r>
+              <a:rPr lang="en-US" b="1" dirty="0"/>
+              <a:t>Important File Format #2: </a:t>
+            </a:r>
+            <a:br>
+              <a:rPr lang="en-US" b="1" dirty="0"/>
+            </a:br>
+            <a:r>
+              <a:rPr lang="en-US" b="1" dirty="0"/>
+              <a:t>SAM/BAM(aligned reads)</a:t>
+            </a:r>
+          </a:p>
+        </p:txBody>
+      </p:sp>
+      <p:sp>
+        <p:nvSpPr>
+          <p:cNvPr id="3" name="Content Placeholder 2"/>
+          <p:cNvSpPr>
+            <a:spLocks noGrp="1"/>
+          </p:cNvSpPr>
+          <p:nvPr>
+            <p:ph idx="1"/>
+          </p:nvPr>
+        </p:nvSpPr>
+        <p:spPr>
+          <a:xfrm>
+            <a:off x="1981200" y="1600201"/>
+            <a:ext cx="8229600" cy="552020"/>
+          </a:xfrm>
+        </p:spPr>
+        <p:txBody>
+          <a:bodyPr>
+            <a:normAutofit/>
+          </a:bodyPr>
+          <a:lstStyle/>
+          <a:p>
+            <a:pPr marL="0" indent="0" algn="ctr">
+              <a:buNone/>
+            </a:pPr>
+            <a:r>
+              <a:rPr lang="en-US" sz="2400" b="1" dirty="0"/>
+              <a:t>S</a:t>
+            </a:r>
+            <a:r>
+              <a:rPr lang="en-US" sz="2400" dirty="0"/>
+              <a:t>equence </a:t>
+            </a:r>
+            <a:r>
+              <a:rPr lang="en-US" sz="2400" b="1" dirty="0"/>
+              <a:t>A</a:t>
+            </a:r>
+            <a:r>
+              <a:rPr lang="en-US" sz="2400" dirty="0"/>
+              <a:t>lignment </a:t>
+            </a:r>
+            <a:r>
+              <a:rPr lang="en-US" sz="2400" b="1" dirty="0"/>
+              <a:t>M</a:t>
+            </a:r>
+            <a:r>
+              <a:rPr lang="en-US" sz="2400" dirty="0"/>
+              <a:t>ap </a:t>
+            </a:r>
+            <a:r>
+              <a:rPr lang="en-US" sz="2400" b="1" dirty="0"/>
+              <a:t>/ B</a:t>
+            </a:r>
+            <a:r>
+              <a:rPr lang="en-US" sz="2400" dirty="0"/>
+              <a:t>inary </a:t>
+            </a:r>
+            <a:r>
+              <a:rPr lang="en-US" sz="2400" b="1" dirty="0"/>
+              <a:t>A</a:t>
+            </a:r>
+            <a:r>
+              <a:rPr lang="en-US" sz="2400" dirty="0"/>
+              <a:t>lignment </a:t>
+            </a:r>
+            <a:r>
+              <a:rPr lang="en-US" sz="2400" b="1" dirty="0"/>
+              <a:t>M</a:t>
+            </a:r>
+            <a:r>
+              <a:rPr lang="en-US" sz="2400" dirty="0"/>
+              <a:t>ap</a:t>
+            </a:r>
+          </a:p>
+        </p:txBody>
+      </p:sp>
+      <p:sp>
+        <p:nvSpPr>
+          <p:cNvPr id="4" name="Rectangle 4">
+            <a:extLst>
+              <a:ext uri="{FF2B5EF4-FFF2-40B4-BE49-F238E27FC236}">
+                <a16:creationId xmlns:a16="http://schemas.microsoft.com/office/drawing/2014/main" id="{4406B70E-1892-B962-2181-85B7560869EF}"/>
+              </a:ext>
+            </a:extLst>
+          </p:cNvPr>
+          <p:cNvSpPr/>
+          <p:nvPr/>
+        </p:nvSpPr>
+        <p:spPr>
+          <a:xfrm>
+            <a:off x="7456491" y="6400095"/>
+            <a:ext cx="4525599" cy="276999"/>
+          </a:xfrm>
+          <a:prstGeom prst="rect">
+            <a:avLst/>
+          </a:prstGeom>
+        </p:spPr>
+        <p:txBody>
+          <a:bodyPr wrap="none">
+            <a:spAutoFit/>
+          </a:bodyPr>
+          <a:lstStyle/>
+          <a:p>
+            <a:pPr algn="r"/>
+            <a:r>
+              <a:rPr lang="en-US" sz="1200" i="1" dirty="0">
+                <a:latin typeface="Helvetica"/>
+                <a:cs typeface="Helvetica"/>
+              </a:rPr>
+              <a:t>https://zymoresearch.eu/blogs/blog/what-are-sam-and-bam-files</a:t>
+            </a:r>
+          </a:p>
+        </p:txBody>
+      </p:sp>
+      <p:pic>
+        <p:nvPicPr>
+          <p:cNvPr id="13" name="Resim 12">
+            <a:extLst>
+              <a:ext uri="{FF2B5EF4-FFF2-40B4-BE49-F238E27FC236}">
+                <a16:creationId xmlns:a16="http://schemas.microsoft.com/office/drawing/2014/main" id="{468A73F7-9C49-AB7A-A1F2-E34C5E89A328}"/>
+              </a:ext>
+            </a:extLst>
+          </p:cNvPr>
+          <p:cNvPicPr>
+            <a:picLocks noChangeAspect="1"/>
+          </p:cNvPicPr>
+          <p:nvPr/>
+        </p:nvPicPr>
+        <p:blipFill>
+          <a:blip r:embed="rId2"/>
+          <a:stretch>
+            <a:fillRect/>
+          </a:stretch>
+        </p:blipFill>
+        <p:spPr>
+          <a:xfrm>
+            <a:off x="1697206" y="2557064"/>
+            <a:ext cx="8797587" cy="775118"/>
+          </a:xfrm>
+          <a:prstGeom prst="rect">
+            <a:avLst/>
+          </a:prstGeom>
+        </p:spPr>
+      </p:pic>
+      <p:sp>
+        <p:nvSpPr>
+          <p:cNvPr id="15" name="Content Placeholder 2">
+            <a:extLst>
+              <a:ext uri="{FF2B5EF4-FFF2-40B4-BE49-F238E27FC236}">
+                <a16:creationId xmlns:a16="http://schemas.microsoft.com/office/drawing/2014/main" id="{02A6026D-D6A2-88B4-48D4-03E710AF1E48}"/>
+              </a:ext>
+            </a:extLst>
+          </p:cNvPr>
+          <p:cNvSpPr txBox="1">
+            <a:spLocks/>
+          </p:cNvSpPr>
+          <p:nvPr/>
+        </p:nvSpPr>
+        <p:spPr>
+          <a:xfrm>
+            <a:off x="1906695" y="3525818"/>
+            <a:ext cx="9083040" cy="2645791"/>
+          </a:xfrm>
+          <a:prstGeom prst="rect">
+            <a:avLst/>
+          </a:prstGeom>
+        </p:spPr>
+        <p:txBody>
+          <a:bodyPr vert="horz" lIns="91440" tIns="45720" rIns="91440" bIns="45720" numCol="2" rtlCol="0" anchor="ctr">
+            <a:normAutofit/>
+          </a:bodyPr>
+          <a:lstStyle>
+            <a:lvl1pPr marL="228600" indent="-228600" algn="l" defTabSz="914400" rtl="0" eaLnBrk="1" latinLnBrk="0" hangingPunct="1">
+              <a:lnSpc>
+                <a:spcPct val="90000"/>
+              </a:lnSpc>
+              <a:spcBef>
+                <a:spcPts val="1000"/>
+              </a:spcBef>
+              <a:buFont typeface="Arial" panose="020B0604020202020204" pitchFamily="34" charset="0"/>
+              <a:buChar char="•"/>
+              <a:defRPr sz="2800" kern="1200">
+                <a:solidFill>
+                  <a:schemeClr val="tx1"/>
+                </a:solidFill>
+                <a:latin typeface="+mn-lt"/>
+                <a:ea typeface="+mn-ea"/>
+                <a:cs typeface="+mn-cs"/>
+              </a:defRPr>
+            </a:lvl1pPr>
+            <a:lvl2pPr marL="685800" indent="-228600" algn="l" defTabSz="914400" rtl="0" eaLnBrk="1" latinLnBrk="0" hangingPunct="1">
+              <a:lnSpc>
+                <a:spcPct val="90000"/>
+              </a:lnSpc>
+              <a:spcBef>
+                <a:spcPts val="500"/>
+              </a:spcBef>
+              <a:buFont typeface="Arial" panose="020B0604020202020204" pitchFamily="34" charset="0"/>
+              <a:buChar char="•"/>
+              <a:defRPr sz="2400" kern="1200">
+                <a:solidFill>
+                  <a:schemeClr val="tx1"/>
+                </a:solidFill>
+                <a:latin typeface="+mn-lt"/>
+                <a:ea typeface="+mn-ea"/>
+                <a:cs typeface="+mn-cs"/>
+              </a:defRPr>
+            </a:lvl2pPr>
+            <a:lvl3pPr marL="1143000" indent="-228600" algn="l" defTabSz="914400" rtl="0" eaLnBrk="1" latinLnBrk="0" hangingPunct="1">
+              <a:lnSpc>
+                <a:spcPct val="90000"/>
+              </a:lnSpc>
+              <a:spcBef>
+                <a:spcPts val="500"/>
+              </a:spcBef>
+              <a:buFont typeface="Arial" panose="020B0604020202020204" pitchFamily="34" charset="0"/>
+              <a:buChar char="•"/>
+              <a:defRPr sz="2000" kern="1200">
+                <a:solidFill>
+                  <a:schemeClr val="tx1"/>
+                </a:solidFill>
+                <a:latin typeface="+mn-lt"/>
+                <a:ea typeface="+mn-ea"/>
+                <a:cs typeface="+mn-cs"/>
+              </a:defRPr>
+            </a:lvl3pPr>
+            <a:lvl4pPr marL="1600200" indent="-228600" algn="l" defTabSz="914400" rtl="0" eaLnBrk="1" latinLnBrk="0" hangingPunct="1">
+              <a:lnSpc>
+                <a:spcPct val="90000"/>
+              </a:lnSpc>
+              <a:spcBef>
+                <a:spcPts val="500"/>
+              </a:spcBef>
+              <a:buFont typeface="Arial" panose="020B0604020202020204" pitchFamily="34" charset="0"/>
+              <a:buChar char="•"/>
+              <a:defRPr sz="1800" kern="1200">
+                <a:solidFill>
+                  <a:schemeClr val="tx1"/>
+                </a:solidFill>
+                <a:latin typeface="+mn-lt"/>
+                <a:ea typeface="+mn-ea"/>
+                <a:cs typeface="+mn-cs"/>
+              </a:defRPr>
+            </a:lvl4pPr>
+            <a:lvl5pPr marL="2057400" indent="-228600" algn="l" defTabSz="914400" rtl="0" eaLnBrk="1" latinLnBrk="0" hangingPunct="1">
+              <a:lnSpc>
+                <a:spcPct val="90000"/>
+              </a:lnSpc>
+              <a:spcBef>
+                <a:spcPts val="500"/>
+              </a:spcBef>
+              <a:buFont typeface="Arial" panose="020B0604020202020204" pitchFamily="34" charset="0"/>
+              <a:buChar char="•"/>
+              <a:defRPr sz="1800" kern="1200">
+                <a:solidFill>
+                  <a:schemeClr val="tx1"/>
+                </a:solidFill>
+                <a:latin typeface="+mn-lt"/>
+                <a:ea typeface="+mn-ea"/>
+                <a:cs typeface="+mn-cs"/>
+              </a:defRPr>
+            </a:lvl5pPr>
+            <a:lvl6pPr marL="2514600" indent="-228600" algn="l" defTabSz="914400" rtl="0" eaLnBrk="1" latinLnBrk="0" hangingPunct="1">
+              <a:lnSpc>
+                <a:spcPct val="90000"/>
+              </a:lnSpc>
+              <a:spcBef>
+                <a:spcPts val="500"/>
+              </a:spcBef>
+              <a:buFont typeface="Arial" panose="020B0604020202020204" pitchFamily="34" charset="0"/>
+              <a:buChar char="•"/>
+              <a:defRPr sz="1800" kern="1200">
+                <a:solidFill>
+                  <a:schemeClr val="tx1"/>
+                </a:solidFill>
+                <a:latin typeface="+mn-lt"/>
+                <a:ea typeface="+mn-ea"/>
+                <a:cs typeface="+mn-cs"/>
+              </a:defRPr>
+            </a:lvl6pPr>
+            <a:lvl7pPr marL="2971800" indent="-228600" algn="l" defTabSz="914400" rtl="0" eaLnBrk="1" latinLnBrk="0" hangingPunct="1">
+              <a:lnSpc>
+                <a:spcPct val="90000"/>
+              </a:lnSpc>
+              <a:spcBef>
+                <a:spcPts val="500"/>
+              </a:spcBef>
+              <a:buFont typeface="Arial" panose="020B0604020202020204" pitchFamily="34" charset="0"/>
+              <a:buChar char="•"/>
+              <a:defRPr sz="1800" kern="1200">
+                <a:solidFill>
+                  <a:schemeClr val="tx1"/>
+                </a:solidFill>
+                <a:latin typeface="+mn-lt"/>
+                <a:ea typeface="+mn-ea"/>
+                <a:cs typeface="+mn-cs"/>
+              </a:defRPr>
+            </a:lvl7pPr>
+            <a:lvl8pPr marL="3429000" indent="-228600" algn="l" defTabSz="914400" rtl="0" eaLnBrk="1" latinLnBrk="0" hangingPunct="1">
+              <a:lnSpc>
+                <a:spcPct val="90000"/>
+              </a:lnSpc>
+              <a:spcBef>
+                <a:spcPts val="500"/>
+              </a:spcBef>
+              <a:buFont typeface="Arial" panose="020B0604020202020204" pitchFamily="34" charset="0"/>
+              <a:buChar char="•"/>
+              <a:defRPr sz="1800" kern="1200">
+                <a:solidFill>
+                  <a:schemeClr val="tx1"/>
+                </a:solidFill>
+                <a:latin typeface="+mn-lt"/>
+                <a:ea typeface="+mn-ea"/>
+                <a:cs typeface="+mn-cs"/>
+              </a:defRPr>
+            </a:lvl8pPr>
+            <a:lvl9pPr marL="3886200" indent="-228600" algn="l" defTabSz="914400" rtl="0" eaLnBrk="1" latinLnBrk="0" hangingPunct="1">
+              <a:lnSpc>
+                <a:spcPct val="90000"/>
+              </a:lnSpc>
+              <a:spcBef>
+                <a:spcPts val="500"/>
+              </a:spcBef>
+              <a:buFont typeface="Arial" panose="020B0604020202020204" pitchFamily="34" charset="0"/>
+              <a:buChar char="•"/>
+              <a:defRPr sz="1800" kern="1200">
+                <a:solidFill>
+                  <a:schemeClr val="tx1"/>
+                </a:solidFill>
+                <a:latin typeface="+mn-lt"/>
+                <a:ea typeface="+mn-ea"/>
+                <a:cs typeface="+mn-cs"/>
+              </a:defRPr>
+            </a:lvl9pPr>
+          </a:lstStyle>
+          <a:p>
+            <a:pPr marL="342900" indent="-342900">
+              <a:buAutoNum type="arabicPeriod"/>
+            </a:pPr>
+            <a:r>
+              <a:rPr lang="tr-TR" sz="2000" dirty="0"/>
+              <a:t>Query Name </a:t>
+            </a:r>
+          </a:p>
+          <a:p>
+            <a:pPr marL="342900" indent="-342900">
+              <a:buAutoNum type="arabicPeriod"/>
+            </a:pPr>
+            <a:r>
+              <a:rPr lang="tr-TR" sz="2000" dirty="0"/>
+              <a:t>FLAG</a:t>
+            </a:r>
+          </a:p>
+          <a:p>
+            <a:pPr marL="342900" indent="-342900">
+              <a:buAutoNum type="arabicPeriod"/>
+            </a:pPr>
+            <a:r>
+              <a:rPr lang="tr-TR" sz="2000" dirty="0"/>
+              <a:t>Reference Name</a:t>
+            </a:r>
+          </a:p>
+          <a:p>
+            <a:pPr marL="342900" indent="-342900">
+              <a:buAutoNum type="arabicPeriod"/>
+            </a:pPr>
+            <a:r>
+              <a:rPr lang="tr-TR" sz="2000" dirty="0" err="1"/>
+              <a:t>Position</a:t>
+            </a:r>
+            <a:endParaRPr lang="tr-TR" sz="2000" dirty="0"/>
+          </a:p>
+          <a:p>
+            <a:pPr marL="342900" indent="-342900">
+              <a:buAutoNum type="arabicPeriod"/>
+            </a:pPr>
+            <a:r>
+              <a:rPr lang="tr-TR" sz="2000" dirty="0" err="1"/>
+              <a:t>Mapping</a:t>
+            </a:r>
+            <a:r>
+              <a:rPr lang="tr-TR" sz="2000" dirty="0"/>
+              <a:t> </a:t>
+            </a:r>
+            <a:r>
+              <a:rPr lang="tr-TR" sz="2000" dirty="0" err="1"/>
+              <a:t>Quality</a:t>
+            </a:r>
+            <a:endParaRPr lang="tr-TR" sz="2000" dirty="0"/>
+          </a:p>
+          <a:p>
+            <a:pPr marL="342900" indent="-342900">
+              <a:buAutoNum type="arabicPeriod"/>
+            </a:pPr>
+            <a:r>
+              <a:rPr lang="tr-TR" sz="2000" dirty="0"/>
+              <a:t>CIGAR</a:t>
+            </a:r>
+          </a:p>
+          <a:p>
+            <a:pPr marL="342900" indent="-342900">
+              <a:buAutoNum type="arabicPeriod"/>
+            </a:pPr>
+            <a:r>
+              <a:rPr lang="tr-TR" sz="2000" dirty="0" err="1"/>
+              <a:t>Mate</a:t>
+            </a:r>
+            <a:r>
+              <a:rPr lang="tr-TR" sz="2000" dirty="0"/>
+              <a:t> Name</a:t>
+            </a:r>
+          </a:p>
+          <a:p>
+            <a:pPr marL="342900" indent="-342900">
+              <a:buAutoNum type="arabicPeriod"/>
+            </a:pPr>
+            <a:r>
+              <a:rPr lang="tr-TR" sz="2000" dirty="0" err="1"/>
+              <a:t>Position</a:t>
+            </a:r>
+            <a:r>
+              <a:rPr lang="tr-TR" sz="2000" dirty="0"/>
+              <a:t> of </a:t>
+            </a:r>
+            <a:r>
+              <a:rPr lang="tr-TR" sz="2000" dirty="0" err="1"/>
+              <a:t>Mate</a:t>
+            </a:r>
+            <a:endParaRPr lang="tr-TR" sz="2000" dirty="0"/>
+          </a:p>
+          <a:p>
+            <a:pPr marL="342900" indent="-342900">
+              <a:buAutoNum type="arabicPeriod"/>
+            </a:pPr>
+            <a:r>
+              <a:rPr lang="tr-TR" sz="2000" dirty="0" err="1"/>
+              <a:t>Template</a:t>
+            </a:r>
+            <a:r>
+              <a:rPr lang="tr-TR" sz="2000" dirty="0"/>
+              <a:t> </a:t>
+            </a:r>
+            <a:r>
+              <a:rPr lang="tr-TR" sz="2000" dirty="0" err="1"/>
+              <a:t>Length</a:t>
+            </a:r>
+            <a:r>
+              <a:rPr lang="tr-TR" sz="2000" dirty="0"/>
+              <a:t> (Reference)</a:t>
+            </a:r>
+          </a:p>
+          <a:p>
+            <a:pPr marL="342900" indent="-342900">
+              <a:buAutoNum type="arabicPeriod"/>
+            </a:pPr>
+            <a:r>
+              <a:rPr lang="tr-TR" sz="2000" dirty="0" err="1"/>
+              <a:t>Sequence</a:t>
+            </a:r>
+            <a:endParaRPr lang="tr-TR" sz="2000" dirty="0"/>
+          </a:p>
+          <a:p>
+            <a:pPr marL="342900" indent="-342900">
+              <a:buAutoNum type="arabicPeriod"/>
+            </a:pPr>
+            <a:r>
+              <a:rPr lang="tr-TR" sz="2000" dirty="0" err="1"/>
+              <a:t>Quality</a:t>
+            </a:r>
+            <a:r>
+              <a:rPr lang="tr-TR" sz="2000" dirty="0"/>
+              <a:t> </a:t>
+            </a:r>
+            <a:r>
+              <a:rPr lang="tr-TR" sz="2000" dirty="0" err="1"/>
+              <a:t>String</a:t>
+            </a:r>
+            <a:endParaRPr lang="tr-TR" sz="2000" dirty="0"/>
+          </a:p>
+          <a:p>
+            <a:pPr marL="342900" indent="-342900">
+              <a:buAutoNum type="arabicPeriod"/>
+            </a:pPr>
+            <a:r>
+              <a:rPr lang="tr-TR" sz="2000" dirty="0" err="1"/>
+              <a:t>Predefined</a:t>
+            </a:r>
+            <a:r>
+              <a:rPr lang="tr-TR" sz="2000" dirty="0"/>
+              <a:t> </a:t>
+            </a:r>
+            <a:r>
+              <a:rPr lang="tr-TR" sz="2000" dirty="0" err="1"/>
+              <a:t>Tags</a:t>
+            </a:r>
+            <a:endParaRPr lang="tr-TR" sz="2000" dirty="0"/>
+          </a:p>
+        </p:txBody>
+      </p:sp>
+    </p:spTree>
+    <p:extLst>
+      <p:ext uri="{BB962C8B-B14F-4D97-AF65-F5344CB8AC3E}">
+        <p14:creationId xmlns:p14="http://schemas.microsoft.com/office/powerpoint/2010/main" val="223683521"/>
+      </p:ext>
+    </p:extLst>
+  </p:cSld>
+  <p:clrMapOvr>
+    <a:masterClrMapping/>
+  </p:clrMapOvr>
+</p:sld>
+</file>
+
+<file path=ppt/slides/slide22.xml><?xml version="1.0" encoding="utf-8"?>
+<p:sld xmlns:a="http://schemas.openxmlformats.org/drawingml/2006/main" xmlns:r="http://schemas.openxmlformats.org/officeDocument/2006/relationships" xmlns:p="http://schemas.openxmlformats.org/presentationml/2006/main">
+  <p:cSld>
+    <p:spTree>
+      <p:nvGrpSpPr>
+        <p:cNvPr id="1" name=""/>
+        <p:cNvGrpSpPr/>
+        <p:nvPr/>
+      </p:nvGrpSpPr>
+      <p:grpSpPr>
+        <a:xfrm>
+          <a:off x="0" y="0"/>
+          <a:ext cx="0" cy="0"/>
+          <a:chOff x="0" y="0"/>
+          <a:chExt cx="0" cy="0"/>
+        </a:xfrm>
+      </p:grpSpPr>
+      <p:sp>
+        <p:nvSpPr>
+          <p:cNvPr id="2" name="Title 1"/>
+          <p:cNvSpPr>
+            <a:spLocks noGrp="1"/>
+          </p:cNvSpPr>
+          <p:nvPr>
+            <p:ph type="title"/>
+          </p:nvPr>
+        </p:nvSpPr>
+        <p:spPr>
+          <a:xfrm>
+            <a:off x="838200" y="319405"/>
+            <a:ext cx="10515600" cy="1325563"/>
+          </a:xfrm>
+        </p:spPr>
+        <p:txBody>
+          <a:bodyPr>
+            <a:normAutofit/>
+          </a:bodyPr>
+          <a:lstStyle/>
+          <a:p>
+            <a:r>
+              <a:rPr lang="en-US" b="1" dirty="0"/>
+              <a:t>Important File Format #2: </a:t>
+            </a:r>
+            <a:br>
+              <a:rPr lang="en-US" b="1" dirty="0"/>
+            </a:br>
+            <a:r>
+              <a:rPr lang="en-US" b="1" dirty="0"/>
+              <a:t>SAM/BAM(aligned reads)</a:t>
+            </a:r>
+          </a:p>
+        </p:txBody>
+      </p:sp>
+      <p:sp>
+        <p:nvSpPr>
+          <p:cNvPr id="3" name="Content Placeholder 2"/>
+          <p:cNvSpPr>
+            <a:spLocks noGrp="1"/>
+          </p:cNvSpPr>
+          <p:nvPr>
+            <p:ph idx="1"/>
+          </p:nvPr>
+        </p:nvSpPr>
+        <p:spPr>
+          <a:xfrm>
+            <a:off x="1981200" y="1600201"/>
+            <a:ext cx="8229600" cy="552020"/>
+          </a:xfrm>
+        </p:spPr>
+        <p:txBody>
+          <a:bodyPr>
+            <a:normAutofit/>
+          </a:bodyPr>
+          <a:lstStyle/>
+          <a:p>
+            <a:pPr marL="0" indent="0" algn="ctr">
+              <a:buNone/>
+            </a:pPr>
+            <a:r>
+              <a:rPr lang="en-US" sz="2400" b="1" dirty="0"/>
+              <a:t>S</a:t>
+            </a:r>
+            <a:r>
+              <a:rPr lang="en-US" sz="2400" dirty="0"/>
+              <a:t>equence </a:t>
+            </a:r>
+            <a:r>
+              <a:rPr lang="en-US" sz="2400" b="1" dirty="0"/>
+              <a:t>A</a:t>
+            </a:r>
+            <a:r>
+              <a:rPr lang="en-US" sz="2400" dirty="0"/>
+              <a:t>lignment </a:t>
+            </a:r>
+            <a:r>
+              <a:rPr lang="en-US" sz="2400" b="1" dirty="0"/>
+              <a:t>M</a:t>
+            </a:r>
+            <a:r>
+              <a:rPr lang="en-US" sz="2400" dirty="0"/>
+              <a:t>ap </a:t>
+            </a:r>
+            <a:r>
+              <a:rPr lang="en-US" sz="2400" b="1" dirty="0"/>
+              <a:t>/ B</a:t>
+            </a:r>
+            <a:r>
+              <a:rPr lang="en-US" sz="2400" dirty="0"/>
+              <a:t>inary </a:t>
+            </a:r>
+            <a:r>
+              <a:rPr lang="en-US" sz="2400" b="1" dirty="0"/>
+              <a:t>A</a:t>
+            </a:r>
+            <a:r>
+              <a:rPr lang="en-US" sz="2400" dirty="0"/>
+              <a:t>lignment </a:t>
+            </a:r>
+            <a:r>
+              <a:rPr lang="en-US" sz="2400" b="1" dirty="0"/>
+              <a:t>M</a:t>
+            </a:r>
+            <a:r>
+              <a:rPr lang="en-US" sz="2400" dirty="0"/>
+              <a:t>ap</a:t>
+            </a:r>
+          </a:p>
+        </p:txBody>
+      </p:sp>
+      <p:pic>
+        <p:nvPicPr>
+          <p:cNvPr id="6" name="Resim 5">
+            <a:extLst>
+              <a:ext uri="{FF2B5EF4-FFF2-40B4-BE49-F238E27FC236}">
+                <a16:creationId xmlns:a16="http://schemas.microsoft.com/office/drawing/2014/main" id="{43B77FEB-CE98-F0E4-5F67-BEB2BBFA43F1}"/>
+              </a:ext>
+            </a:extLst>
+          </p:cNvPr>
+          <p:cNvPicPr>
+            <a:picLocks noChangeAspect="1"/>
+          </p:cNvPicPr>
+          <p:nvPr/>
+        </p:nvPicPr>
+        <p:blipFill>
+          <a:blip r:embed="rId2"/>
+          <a:stretch>
+            <a:fillRect/>
+          </a:stretch>
+        </p:blipFill>
+        <p:spPr>
+          <a:xfrm>
+            <a:off x="347471" y="3243789"/>
+            <a:ext cx="6283747" cy="2923981"/>
+          </a:xfrm>
+          <a:prstGeom prst="rect">
+            <a:avLst/>
+          </a:prstGeom>
+        </p:spPr>
+      </p:pic>
+      <p:sp>
+        <p:nvSpPr>
+          <p:cNvPr id="11" name="Metin kutusu 10">
+            <a:extLst>
+              <a:ext uri="{FF2B5EF4-FFF2-40B4-BE49-F238E27FC236}">
+                <a16:creationId xmlns:a16="http://schemas.microsoft.com/office/drawing/2014/main" id="{D2F21E42-063B-BEF9-3726-1B111EDF7010}"/>
+              </a:ext>
+            </a:extLst>
+          </p:cNvPr>
+          <p:cNvSpPr txBox="1"/>
+          <p:nvPr/>
+        </p:nvSpPr>
+        <p:spPr>
+          <a:xfrm>
+            <a:off x="6631218" y="3518425"/>
+            <a:ext cx="4264981" cy="2585323"/>
+          </a:xfrm>
+          <a:prstGeom prst="rect">
+            <a:avLst/>
+          </a:prstGeom>
+          <a:noFill/>
+        </p:spPr>
+        <p:txBody>
+          <a:bodyPr wrap="square">
+            <a:spAutoFit/>
+          </a:bodyPr>
+          <a:lstStyle/>
+          <a:p>
+            <a:r>
+              <a:rPr lang="en-US" dirty="0"/>
+              <a:t>FLAG value is 99</a:t>
+            </a:r>
+            <a:r>
+              <a:rPr lang="tr-TR" dirty="0"/>
+              <a:t> (</a:t>
+            </a:r>
+            <a:r>
+              <a:rPr lang="en-US" dirty="0"/>
+              <a:t>64 + 32 + 2 + 1</a:t>
+            </a:r>
+            <a:r>
+              <a:rPr lang="tr-TR" dirty="0"/>
+              <a:t>) i</a:t>
+            </a:r>
+            <a:r>
+              <a:rPr lang="en-US" dirty="0" err="1"/>
+              <a:t>ndicating</a:t>
+            </a:r>
+            <a:r>
+              <a:rPr lang="en-US" dirty="0"/>
+              <a:t> that:</a:t>
+            </a:r>
+          </a:p>
+          <a:p>
+            <a:endParaRPr lang="en-US" dirty="0"/>
+          </a:p>
+          <a:p>
+            <a:pPr marL="285750" indent="-285750">
+              <a:buFont typeface="Arial" panose="020B0604020202020204" pitchFamily="34" charset="0"/>
+              <a:buChar char="•"/>
+            </a:pPr>
+            <a:r>
+              <a:rPr lang="en-US" dirty="0"/>
+              <a:t>The read is the first in pair (read 1)</a:t>
+            </a:r>
+          </a:p>
+          <a:p>
+            <a:pPr marL="285750" indent="-285750">
+              <a:buFont typeface="Arial" panose="020B0604020202020204" pitchFamily="34" charset="0"/>
+              <a:buChar char="•"/>
+            </a:pPr>
+            <a:r>
+              <a:rPr lang="en-US" dirty="0"/>
+              <a:t>The paired-end mate of this read mapped in the reverse direction</a:t>
+            </a:r>
+          </a:p>
+          <a:p>
+            <a:pPr marL="285750" indent="-285750">
+              <a:buFont typeface="Arial" panose="020B0604020202020204" pitchFamily="34" charset="0"/>
+              <a:buChar char="•"/>
+            </a:pPr>
+            <a:r>
+              <a:rPr lang="en-US" dirty="0"/>
+              <a:t>The read was part of a properly aligning pair</a:t>
+            </a:r>
+          </a:p>
+          <a:p>
+            <a:pPr marL="285750" indent="-285750">
+              <a:buFont typeface="Arial" panose="020B0604020202020204" pitchFamily="34" charset="0"/>
+              <a:buChar char="•"/>
+            </a:pPr>
+            <a:r>
+              <a:rPr lang="en-US" dirty="0"/>
+              <a:t>The read was paired</a:t>
+            </a:r>
+            <a:endParaRPr lang="tr-TR" dirty="0"/>
+          </a:p>
+        </p:txBody>
+      </p:sp>
+      <p:pic>
+        <p:nvPicPr>
+          <p:cNvPr id="5" name="Resim 4">
+            <a:extLst>
+              <a:ext uri="{FF2B5EF4-FFF2-40B4-BE49-F238E27FC236}">
+                <a16:creationId xmlns:a16="http://schemas.microsoft.com/office/drawing/2014/main" id="{AC3CC906-AE59-EF46-06B2-FF5F5D2E5F0A}"/>
+              </a:ext>
+            </a:extLst>
+          </p:cNvPr>
+          <p:cNvPicPr>
+            <a:picLocks noChangeAspect="1"/>
+          </p:cNvPicPr>
+          <p:nvPr/>
+        </p:nvPicPr>
+        <p:blipFill>
+          <a:blip r:embed="rId3"/>
+          <a:stretch>
+            <a:fillRect/>
+          </a:stretch>
+        </p:blipFill>
+        <p:spPr>
+          <a:xfrm>
+            <a:off x="1697206" y="2264456"/>
+            <a:ext cx="8797587" cy="775118"/>
+          </a:xfrm>
+          <a:prstGeom prst="rect">
+            <a:avLst/>
+          </a:prstGeom>
+        </p:spPr>
+      </p:pic>
+      <p:sp>
+        <p:nvSpPr>
+          <p:cNvPr id="8" name="Dikdörtgen 7">
+            <a:extLst>
+              <a:ext uri="{FF2B5EF4-FFF2-40B4-BE49-F238E27FC236}">
+                <a16:creationId xmlns:a16="http://schemas.microsoft.com/office/drawing/2014/main" id="{411E9ADB-EFDB-8E9F-2CA5-E2787BB7A6F3}"/>
+              </a:ext>
+            </a:extLst>
+          </p:cNvPr>
+          <p:cNvSpPr/>
+          <p:nvPr/>
+        </p:nvSpPr>
+        <p:spPr>
+          <a:xfrm>
+            <a:off x="3273552" y="2386584"/>
+            <a:ext cx="374904" cy="557468"/>
+          </a:xfrm>
+          <a:prstGeom prst="rect">
+            <a:avLst/>
+          </a:prstGeom>
+          <a:noFill/>
+          <a:ln w="28575">
+            <a:solidFill>
+              <a:srgbClr val="FF0000"/>
+            </a:solidFill>
+          </a:ln>
+        </p:spPr>
+        <p:style>
+          <a:lnRef idx="2">
+            <a:schemeClr val="accent1">
+              <a:shade val="15000"/>
+            </a:schemeClr>
+          </a:lnRef>
+          <a:fillRef idx="1">
+            <a:schemeClr val="accent1"/>
+          </a:fillRef>
+          <a:effectRef idx="0">
+            <a:schemeClr val="accent1"/>
+          </a:effectRef>
+          <a:fontRef idx="minor">
+            <a:schemeClr val="lt1"/>
+          </a:fontRef>
+        </p:style>
+        <p:txBody>
+          <a:bodyPr rtlCol="0" anchor="ctr"/>
+          <a:lstStyle/>
+          <a:p>
+            <a:pPr algn="ctr"/>
+            <a:endParaRPr lang="tr-TR"/>
+          </a:p>
+        </p:txBody>
+      </p:sp>
+      <p:sp>
+        <p:nvSpPr>
+          <p:cNvPr id="9" name="Rectangle 4">
+            <a:extLst>
+              <a:ext uri="{FF2B5EF4-FFF2-40B4-BE49-F238E27FC236}">
+                <a16:creationId xmlns:a16="http://schemas.microsoft.com/office/drawing/2014/main" id="{16790221-B98D-81D8-BED1-8410ECBADB09}"/>
+              </a:ext>
+            </a:extLst>
+          </p:cNvPr>
+          <p:cNvSpPr/>
+          <p:nvPr/>
+        </p:nvSpPr>
+        <p:spPr>
+          <a:xfrm>
+            <a:off x="7456491" y="6400095"/>
+            <a:ext cx="4525599" cy="276999"/>
+          </a:xfrm>
+          <a:prstGeom prst="rect">
+            <a:avLst/>
+          </a:prstGeom>
+        </p:spPr>
+        <p:txBody>
+          <a:bodyPr wrap="none">
+            <a:spAutoFit/>
+          </a:bodyPr>
+          <a:lstStyle/>
+          <a:p>
+            <a:pPr algn="r"/>
+            <a:r>
+              <a:rPr lang="en-US" sz="1200" i="1" dirty="0">
+                <a:latin typeface="Helvetica"/>
+                <a:cs typeface="Helvetica"/>
+              </a:rPr>
+              <a:t>https://zymoresearch.eu/blogs/blog/what-are-sam-and-bam-files</a:t>
+            </a:r>
+          </a:p>
+        </p:txBody>
+      </p:sp>
+    </p:spTree>
+    <p:extLst>
+      <p:ext uri="{BB962C8B-B14F-4D97-AF65-F5344CB8AC3E}">
+        <p14:creationId xmlns:p14="http://schemas.microsoft.com/office/powerpoint/2010/main" val="4206321190"/>
+      </p:ext>
+    </p:extLst>
+  </p:cSld>
+  <p:clrMapOvr>
+    <a:masterClrMapping/>
+  </p:clrMapOvr>
+</p:sld>
+</file>
+
 <file path=ppt/slides/slide23.xml><?xml version="1.0" encoding="utf-8"?>
 <p:sld xmlns:a="http://schemas.openxmlformats.org/drawingml/2006/main" xmlns:r="http://schemas.openxmlformats.org/officeDocument/2006/relationships" xmlns:p="http://schemas.openxmlformats.org/presentationml/2006/main">
   <p:cSld>
@@ -6160,6 +6732,154 @@
           <a:chExt cx="0" cy="0"/>
         </a:xfrm>
       </p:grpSpPr>
+      <p:pic>
+        <p:nvPicPr>
+          <p:cNvPr id="4" name="Picture 3" descr="Screen Shot 2015-08-09 at 5.42.14 PM.png"/>
+          <p:cNvPicPr>
+            <a:picLocks noChangeAspect="1"/>
+          </p:cNvPicPr>
+          <p:nvPr/>
+        </p:nvPicPr>
+        <p:blipFill rotWithShape="1">
+          <a:blip r:embed="rId3">
+            <a:extLst>
+              <a:ext uri="{28A0092B-C50C-407E-A947-70E740481C1C}">
+                <a14:useLocalDpi xmlns:a14="http://schemas.microsoft.com/office/drawing/2010/main" val="0"/>
+              </a:ext>
+            </a:extLst>
+          </a:blip>
+          <a:srcRect t="18717"/>
+          <a:stretch/>
+        </p:blipFill>
+        <p:spPr>
+          <a:xfrm>
+            <a:off x="1524000" y="1690309"/>
+            <a:ext cx="9144000" cy="4903074"/>
+          </a:xfrm>
+          <a:prstGeom prst="rect">
+            <a:avLst/>
+          </a:prstGeom>
+        </p:spPr>
+      </p:pic>
+      <p:sp>
+        <p:nvSpPr>
+          <p:cNvPr id="6" name="Title 5"/>
+          <p:cNvSpPr>
+            <a:spLocks noGrp="1"/>
+          </p:cNvSpPr>
+          <p:nvPr>
+            <p:ph type="title"/>
+          </p:nvPr>
+        </p:nvSpPr>
+        <p:spPr/>
+        <p:txBody>
+          <a:bodyPr>
+            <a:normAutofit/>
+          </a:bodyPr>
+          <a:lstStyle/>
+          <a:p>
+            <a:r>
+              <a:rPr lang="en-US" b="1" dirty="0"/>
+              <a:t>CIGAR – Explanation</a:t>
+            </a:r>
+          </a:p>
+        </p:txBody>
+      </p:sp>
+      <p:sp>
+        <p:nvSpPr>
+          <p:cNvPr id="8" name="Rectangle 7"/>
+          <p:cNvSpPr/>
+          <p:nvPr/>
+        </p:nvSpPr>
+        <p:spPr>
+          <a:xfrm>
+            <a:off x="9467140" y="6027003"/>
+            <a:ext cx="2401719" cy="830997"/>
+          </a:xfrm>
+          <a:prstGeom prst="rect">
+            <a:avLst/>
+          </a:prstGeom>
+        </p:spPr>
+        <p:txBody>
+          <a:bodyPr wrap="none">
+            <a:spAutoFit/>
+          </a:bodyPr>
+          <a:lstStyle/>
+          <a:p>
+            <a:pPr algn="r"/>
+            <a:r>
+              <a:rPr lang="en-US" sz="1200" i="1" dirty="0">
+                <a:latin typeface="Helvetica"/>
+                <a:cs typeface="Helvetica"/>
+              </a:rPr>
+              <a:t>GATK Workshop Slide Set</a:t>
+            </a:r>
+            <a:br>
+              <a:rPr lang="en-US" sz="1200" i="1" dirty="0">
+                <a:latin typeface="Helvetica"/>
+                <a:cs typeface="Helvetica"/>
+              </a:rPr>
+            </a:br>
+            <a:r>
+              <a:rPr lang="en-US" sz="1200" i="1" dirty="0">
+                <a:latin typeface="Helvetica"/>
+                <a:cs typeface="Helvetica"/>
+              </a:rPr>
+              <a:t>University of Pretoria</a:t>
+            </a:r>
+            <a:br>
+              <a:rPr lang="en-US" sz="1200" i="1" dirty="0">
+                <a:latin typeface="Helvetica"/>
+                <a:cs typeface="Helvetica"/>
+              </a:rPr>
+            </a:br>
+            <a:r>
+              <a:rPr lang="en-US" sz="1200" i="1" dirty="0">
+                <a:latin typeface="Helvetica"/>
+                <a:cs typeface="Helvetica"/>
+              </a:rPr>
+              <a:t>South Africa, 22-26 June, 2015 </a:t>
+            </a:r>
+          </a:p>
+          <a:p>
+            <a:pPr algn="r"/>
+            <a:endParaRPr lang="en-US" sz="1200" i="1" dirty="0">
+              <a:latin typeface="Helvetica"/>
+              <a:cs typeface="Helvetica"/>
+            </a:endParaRPr>
+          </a:p>
+        </p:txBody>
+      </p:sp>
+    </p:spTree>
+    <p:extLst>
+      <p:ext uri="{BB962C8B-B14F-4D97-AF65-F5344CB8AC3E}">
+        <p14:creationId xmlns:p14="http://schemas.microsoft.com/office/powerpoint/2010/main" val="187427934"/>
+      </p:ext>
+    </p:extLst>
+  </p:cSld>
+  <p:clrMapOvr>
+    <a:masterClrMapping/>
+  </p:clrMapOvr>
+</p:sld>
+</file>
+
+<file path=ppt/slides/slide24.xml><?xml version="1.0" encoding="utf-8"?>
+<p:sld xmlns:a="http://schemas.openxmlformats.org/drawingml/2006/main" xmlns:r="http://schemas.openxmlformats.org/officeDocument/2006/relationships" xmlns:p="http://schemas.openxmlformats.org/presentationml/2006/main">
+  <p:cSld>
+    <p:spTree>
+      <p:nvGrpSpPr>
+        <p:cNvPr id="1" name=""/>
+        <p:cNvGrpSpPr/>
+        <p:nvPr/>
+      </p:nvGrpSpPr>
+      <p:grpSpPr>
+        <a:xfrm>
+          <a:off x="0" y="0"/>
+          <a:ext cx="0" cy="0"/>
+          <a:chOff x="0" y="0"/>
+          <a:chExt cx="0" cy="0"/>
+        </a:xfrm>
+      </p:grpSpPr>
       <p:sp>
         <p:nvSpPr>
           <p:cNvPr id="2" name="Title 1"/>
@@ -6299,7 +7019,7 @@
 </p:sld>
 </file>
 
-<file path=ppt/slides/slide24.xml><?xml version="1.0" encoding="utf-8"?>
+<file path=ppt/slides/slide25.xml><?xml version="1.0" encoding="utf-8"?>
 <p:sld xmlns:a="http://schemas.openxmlformats.org/drawingml/2006/main" xmlns:r="http://schemas.openxmlformats.org/officeDocument/2006/relationships" xmlns:p="http://schemas.openxmlformats.org/presentationml/2006/main">
   <p:cSld>
     <p:spTree>

--- a/Presentations/0.WES_terminology_formats.pptx
+++ b/Presentations/0.WES_terminology_formats.pptx
@@ -11,8 +11,8 @@
     <p:sldId id="256" r:id="rId2"/>
     <p:sldId id="277" r:id="rId3"/>
     <p:sldId id="257" r:id="rId4"/>
-    <p:sldId id="290" r:id="rId5"/>
-    <p:sldId id="295" r:id="rId6"/>
+    <p:sldId id="295" r:id="rId5"/>
+    <p:sldId id="290" r:id="rId6"/>
     <p:sldId id="270" r:id="rId7"/>
     <p:sldId id="269" r:id="rId8"/>
     <p:sldId id="271" r:id="rId9"/>
@@ -141,8 +141,8 @@
           <p14:sldIdLst>
             <p14:sldId id="277"/>
             <p14:sldId id="257"/>
+            <p14:sldId id="295"/>
             <p14:sldId id="290"/>
-            <p14:sldId id="295"/>
             <p14:sldId id="270"/>
             <p14:sldId id="269"/>
             <p14:sldId id="271"/>
@@ -258,7 +258,7 @@
           <a:p>
             <a:fld id="{32BF3A05-53FF-7C45-B5E5-052E57A50E87}" type="datetimeFigureOut">
               <a:rPr lang="en-US" smtClean="0"/>
-              <a:t>9/14/2023</a:t>
+              <a:t>9/17/2023</a:t>
             </a:fld>
             <a:endParaRPr lang="en-US"/>
           </a:p>
@@ -759,7 +759,7 @@
           <a:p>
             <a:fld id="{ABC3D20F-9E00-9645-BA2A-A69E1752E500}" type="datetimeFigureOut">
               <a:rPr lang="en-US" smtClean="0"/>
-              <a:t>9/14/2023</a:t>
+              <a:t>9/17/2023</a:t>
             </a:fld>
             <a:endParaRPr lang="en-US"/>
           </a:p>
@@ -957,7 +957,7 @@
           <a:p>
             <a:fld id="{ABC3D20F-9E00-9645-BA2A-A69E1752E500}" type="datetimeFigureOut">
               <a:rPr lang="en-US" smtClean="0"/>
-              <a:t>9/14/2023</a:t>
+              <a:t>9/17/2023</a:t>
             </a:fld>
             <a:endParaRPr lang="en-US"/>
           </a:p>
@@ -1165,7 +1165,7 @@
           <a:p>
             <a:fld id="{ABC3D20F-9E00-9645-BA2A-A69E1752E500}" type="datetimeFigureOut">
               <a:rPr lang="en-US" smtClean="0"/>
-              <a:t>9/14/2023</a:t>
+              <a:t>9/17/2023</a:t>
             </a:fld>
             <a:endParaRPr lang="en-US"/>
           </a:p>
@@ -1363,7 +1363,7 @@
           <a:p>
             <a:fld id="{ABC3D20F-9E00-9645-BA2A-A69E1752E500}" type="datetimeFigureOut">
               <a:rPr lang="en-US" smtClean="0"/>
-              <a:t>9/14/2023</a:t>
+              <a:t>9/17/2023</a:t>
             </a:fld>
             <a:endParaRPr lang="en-US"/>
           </a:p>
@@ -1638,7 +1638,7 @@
           <a:p>
             <a:fld id="{ABC3D20F-9E00-9645-BA2A-A69E1752E500}" type="datetimeFigureOut">
               <a:rPr lang="en-US" smtClean="0"/>
-              <a:t>9/14/2023</a:t>
+              <a:t>9/17/2023</a:t>
             </a:fld>
             <a:endParaRPr lang="en-US"/>
           </a:p>
@@ -1903,7 +1903,7 @@
           <a:p>
             <a:fld id="{ABC3D20F-9E00-9645-BA2A-A69E1752E500}" type="datetimeFigureOut">
               <a:rPr lang="en-US" smtClean="0"/>
-              <a:t>9/14/2023</a:t>
+              <a:t>9/17/2023</a:t>
             </a:fld>
             <a:endParaRPr lang="en-US"/>
           </a:p>
@@ -2315,7 +2315,7 @@
           <a:p>
             <a:fld id="{ABC3D20F-9E00-9645-BA2A-A69E1752E500}" type="datetimeFigureOut">
               <a:rPr lang="en-US" smtClean="0"/>
-              <a:t>9/14/2023</a:t>
+              <a:t>9/17/2023</a:t>
             </a:fld>
             <a:endParaRPr lang="en-US"/>
           </a:p>
@@ -2456,7 +2456,7 @@
           <a:p>
             <a:fld id="{ABC3D20F-9E00-9645-BA2A-A69E1752E500}" type="datetimeFigureOut">
               <a:rPr lang="en-US" smtClean="0"/>
-              <a:t>9/14/2023</a:t>
+              <a:t>9/17/2023</a:t>
             </a:fld>
             <a:endParaRPr lang="en-US"/>
           </a:p>
@@ -2569,7 +2569,7 @@
           <a:p>
             <a:fld id="{ABC3D20F-9E00-9645-BA2A-A69E1752E500}" type="datetimeFigureOut">
               <a:rPr lang="en-US" smtClean="0"/>
-              <a:t>9/14/2023</a:t>
+              <a:t>9/17/2023</a:t>
             </a:fld>
             <a:endParaRPr lang="en-US"/>
           </a:p>
@@ -2880,7 +2880,7 @@
           <a:p>
             <a:fld id="{ABC3D20F-9E00-9645-BA2A-A69E1752E500}" type="datetimeFigureOut">
               <a:rPr lang="en-US" smtClean="0"/>
-              <a:t>9/14/2023</a:t>
+              <a:t>9/17/2023</a:t>
             </a:fld>
             <a:endParaRPr lang="en-US"/>
           </a:p>
@@ -3168,7 +3168,7 @@
           <a:p>
             <a:fld id="{ABC3D20F-9E00-9645-BA2A-A69E1752E500}" type="datetimeFigureOut">
               <a:rPr lang="en-US" smtClean="0"/>
-              <a:t>9/14/2023</a:t>
+              <a:t>9/17/2023</a:t>
             </a:fld>
             <a:endParaRPr lang="en-US"/>
           </a:p>
@@ -3409,7 +3409,7 @@
           <a:p>
             <a:fld id="{ABC3D20F-9E00-9645-BA2A-A69E1752E500}" type="datetimeFigureOut">
               <a:rPr lang="en-US" smtClean="0"/>
-              <a:t>9/14/2023</a:t>
+              <a:t>9/17/2023</a:t>
             </a:fld>
             <a:endParaRPr lang="en-US"/>
           </a:p>
@@ -5232,13 +5232,28 @@
         </p:nvSpPr>
         <p:spPr>
           <a:xfrm>
-            <a:off x="838200" y="1825625"/>
-            <a:ext cx="10515600" cy="3364056"/>
-          </a:xfrm>
-        </p:spPr>
-        <p:txBody>
-          <a:bodyPr anchor="ctr"/>
+            <a:off x="838200" y="1469008"/>
+            <a:ext cx="10515600" cy="3871087"/>
+          </a:xfrm>
+        </p:spPr>
+        <p:txBody>
+          <a:bodyPr anchor="ctr">
+            <a:normAutofit lnSpcReduction="10000"/>
+          </a:bodyPr>
           <a:lstStyle/>
+          <a:p>
+            <a:r>
+              <a:rPr lang="en-US" dirty="0"/>
+              <a:t>The Phred scale was originally used to represent base quality scores emitted by the Phred program in the early days of the Human Genome Project</a:t>
+            </a:r>
+            <a:r>
+              <a:rPr lang="tr-TR" dirty="0"/>
+              <a:t>.</a:t>
+            </a:r>
+          </a:p>
+          <a:p>
+            <a:endParaRPr lang="tr-TR" dirty="0"/>
+          </a:p>
           <a:p>
             <a:r>
               <a:rPr lang="en-US" dirty="0"/>
@@ -5252,17 +5267,20 @@
               <a:rPr lang="en-US" dirty="0"/>
               <a:t>(ε)</a:t>
             </a:r>
-            <a:br>
-              <a:rPr lang="en-US" dirty="0"/>
-            </a:br>
-            <a:r>
-              <a:rPr lang="en-US" dirty="0"/>
-              <a:t>							 		</a:t>
+            <a:r>
+              <a:rPr lang="tr-TR" dirty="0"/>
+              <a:t>  	</a:t>
             </a:r>
             <a:r>
               <a:rPr lang="en-US" sz="2400" dirty="0"/>
               <a:t>(*ε: Error Rate)</a:t>
             </a:r>
+            <a:endParaRPr lang="tr-TR" sz="2400" dirty="0"/>
+          </a:p>
+          <a:p>
+            <a:pPr marL="0" indent="0">
+              <a:buNone/>
+            </a:pPr>
             <a:br>
               <a:rPr lang="en-US" sz="2400" dirty="0"/>
             </a:br>
@@ -5320,12 +5338,6 @@
             <a:r>
               <a:rPr lang="en-US" dirty="0"/>
               <a:t>&gt;&gt; Phred Q30  &gt;&gt;  ASCII 94 = ^</a:t>
-            </a:r>
-          </a:p>
-          <a:p>
-            <a:r>
-              <a:rPr lang="en-US" dirty="0"/>
-              <a:t>There are different encoding schemes as well !!</a:t>
             </a:r>
           </a:p>
         </p:txBody>
@@ -5352,8 +5364,8 @@
         </p:blipFill>
         <p:spPr>
           <a:xfrm>
-            <a:off x="6096000" y="5189681"/>
-            <a:ext cx="5651500" cy="1549400"/>
+            <a:off x="7232904" y="5501371"/>
+            <a:ext cx="4514596" cy="1237709"/>
           </a:xfrm>
           <a:prstGeom prst="rect">
             <a:avLst/>
@@ -8327,7 +8339,7 @@
           <p:cNvPr id="2" name="Başlık 1">
             <a:extLst>
               <a:ext uri="{FF2B5EF4-FFF2-40B4-BE49-F238E27FC236}">
-                <a16:creationId xmlns:a16="http://schemas.microsoft.com/office/drawing/2014/main" id="{828C5664-3CD3-05B6-E0D7-D62E3FDB1161}"/>
+                <a16:creationId xmlns:a16="http://schemas.microsoft.com/office/drawing/2014/main" id="{4465167C-F6C6-C985-0B42-DF416376130D}"/>
               </a:ext>
             </a:extLst>
           </p:cNvPr>
@@ -8344,10 +8356,10 @@
           <a:lstStyle/>
           <a:p>
             <a:r>
-              <a:rPr lang="tr-TR" b="1" dirty="0" err="1"/>
-              <a:t>Procedure</a:t>
-            </a:r>
-            <a:endParaRPr lang="tr-TR" b="1" dirty="0"/>
+              <a:rPr lang="en-US" b="1" dirty="0"/>
+              <a:t>Terminology – Pair-end Sequencing</a:t>
+            </a:r>
+            <a:endParaRPr lang="tr-TR" dirty="0"/>
           </a:p>
         </p:txBody>
       </p:sp>
@@ -8356,7 +8368,7 @@
           <p:cNvPr id="3" name="İçerik Yer Tutucusu 2">
             <a:extLst>
               <a:ext uri="{FF2B5EF4-FFF2-40B4-BE49-F238E27FC236}">
-                <a16:creationId xmlns:a16="http://schemas.microsoft.com/office/drawing/2014/main" id="{67019B1C-C3FB-20FC-9150-84CAC57C3F12}"/>
+                <a16:creationId xmlns:a16="http://schemas.microsoft.com/office/drawing/2014/main" id="{A84767AB-FCBF-EE28-BC6C-AEA51E0304D9}"/>
               </a:ext>
             </a:extLst>
           </p:cNvPr>
@@ -8367,12 +8379,28 @@
             <p:ph idx="1"/>
           </p:nvPr>
         </p:nvSpPr>
-        <p:spPr/>
-        <p:txBody>
-          <a:bodyPr/>
+        <p:spPr>
+          <a:xfrm>
+            <a:off x="838200" y="6373368"/>
+            <a:ext cx="10515600" cy="301549"/>
+          </a:xfrm>
+        </p:spPr>
+        <p:txBody>
+          <a:bodyPr>
+            <a:normAutofit/>
+          </a:bodyPr>
           <a:lstStyle/>
           <a:p>
-            <a:endParaRPr lang="tr-TR"/>
+            <a:pPr marL="0" indent="0" algn="ctr">
+              <a:buNone/>
+            </a:pPr>
+            <a:r>
+              <a:rPr lang="tr-TR" sz="1200" b="0" i="0" u="none" strike="noStrike" baseline="0" dirty="0">
+                <a:latin typeface="Calibri" panose="020F0502020204030204" pitchFamily="34" charset="0"/>
+              </a:rPr>
+              <a:t>https://www.illumina.com/science/technology/next-generation-sequencing/paired-end-vs-single-read-sequencing.html</a:t>
+            </a:r>
+            <a:endParaRPr lang="tr-TR" sz="1800" dirty="0"/>
           </a:p>
         </p:txBody>
       </p:sp>
@@ -8381,7 +8409,7 @@
           <p:cNvPr id="5" name="Resim 4">
             <a:extLst>
               <a:ext uri="{FF2B5EF4-FFF2-40B4-BE49-F238E27FC236}">
-                <a16:creationId xmlns:a16="http://schemas.microsoft.com/office/drawing/2014/main" id="{C27C7021-94AB-61FB-3F98-FFC40BB93A84}"/>
+                <a16:creationId xmlns:a16="http://schemas.microsoft.com/office/drawing/2014/main" id="{2AAB91F2-C79F-3389-7B25-B93EC1310A5A}"/>
               </a:ext>
             </a:extLst>
           </p:cNvPr>
@@ -8398,91 +8426,20 @@
         </p:blipFill>
         <p:spPr>
           <a:xfrm>
-            <a:off x="1484908" y="1619583"/>
-            <a:ext cx="9222184" cy="4267079"/>
+            <a:off x="2238630" y="1865034"/>
+            <a:ext cx="7714739" cy="3610187"/>
           </a:xfrm>
           <a:prstGeom prst="rect">
             <a:avLst/>
           </a:prstGeom>
         </p:spPr>
       </p:pic>
-      <p:sp>
-        <p:nvSpPr>
-          <p:cNvPr id="6" name="Rectangle 4">
-            <a:extLst>
-              <a:ext uri="{FF2B5EF4-FFF2-40B4-BE49-F238E27FC236}">
-                <a16:creationId xmlns:a16="http://schemas.microsoft.com/office/drawing/2014/main" id="{DE33D970-4485-38FC-2A3E-A49A8A3904CB}"/>
-              </a:ext>
-            </a:extLst>
-          </p:cNvPr>
-          <p:cNvSpPr/>
-          <p:nvPr/>
-        </p:nvSpPr>
-        <p:spPr>
-          <a:xfrm>
-            <a:off x="9997381" y="6027003"/>
-            <a:ext cx="1984709" cy="830997"/>
-          </a:xfrm>
-          <a:prstGeom prst="rect">
-            <a:avLst/>
-          </a:prstGeom>
-        </p:spPr>
-        <p:txBody>
-          <a:bodyPr wrap="none">
-            <a:spAutoFit/>
-          </a:bodyPr>
-          <a:lstStyle/>
-          <a:p>
-            <a:pPr algn="r"/>
-            <a:r>
-              <a:rPr lang="en-US" sz="1200" i="1" dirty="0">
-                <a:latin typeface="Helvetica"/>
-                <a:cs typeface="Helvetica"/>
-              </a:rPr>
-              <a:t>GATK Workshop Slide Set</a:t>
-            </a:r>
-            <a:br>
-              <a:rPr lang="en-US" sz="1200" i="1" dirty="0">
-                <a:latin typeface="Helvetica"/>
-                <a:cs typeface="Helvetica"/>
-              </a:rPr>
-            </a:br>
-            <a:r>
-              <a:rPr lang="en-US" sz="1200" i="1" dirty="0">
-                <a:latin typeface="Helvetica"/>
-                <a:cs typeface="Helvetica"/>
-              </a:rPr>
-              <a:t>Gujarat, India</a:t>
-            </a:r>
-            <a:br>
-              <a:rPr lang="en-US" sz="1200" i="1" dirty="0">
-                <a:latin typeface="Helvetica"/>
-                <a:cs typeface="Helvetica"/>
-              </a:rPr>
-            </a:br>
-            <a:r>
-              <a:rPr lang="en-US" sz="1200" i="1" dirty="0">
-                <a:latin typeface="Helvetica"/>
-                <a:cs typeface="Helvetica"/>
-              </a:rPr>
-              <a:t>Mar. 2-5, 2020</a:t>
-            </a:r>
-          </a:p>
-          <a:p>
-            <a:pPr algn="r"/>
-            <a:endParaRPr lang="en-US" sz="1200" i="1" dirty="0">
-              <a:latin typeface="Helvetica"/>
-              <a:cs typeface="Helvetica"/>
-            </a:endParaRPr>
-          </a:p>
-        </p:txBody>
-      </p:sp>
       <p:pic>
         <p:nvPicPr>
           <p:cNvPr id="4" name="Picture 2" descr="EJP RD – European Joint Programme on Rare Diseases">
             <a:extLst>
               <a:ext uri="{FF2B5EF4-FFF2-40B4-BE49-F238E27FC236}">
-                <a16:creationId xmlns:a16="http://schemas.microsoft.com/office/drawing/2014/main" id="{E7FE610C-0F72-C7DB-51DA-86F83CC201C8}"/>
+                <a16:creationId xmlns:a16="http://schemas.microsoft.com/office/drawing/2014/main" id="{64B09271-8B16-CBC0-D131-1444A0A534A4}"/>
               </a:ext>
             </a:extLst>
           </p:cNvPr>
@@ -8526,10 +8483,10 @@
       </p:pic>
       <p:pic>
         <p:nvPicPr>
-          <p:cNvPr id="7" name="Resim 6">
-            <a:extLst>
-              <a:ext uri="{FF2B5EF4-FFF2-40B4-BE49-F238E27FC236}">
-                <a16:creationId xmlns:a16="http://schemas.microsoft.com/office/drawing/2014/main" id="{00D601A0-77CA-C881-B8CE-D71C3DEF7304}"/>
+          <p:cNvPr id="6" name="Resim 5">
+            <a:extLst>
+              <a:ext uri="{FF2B5EF4-FFF2-40B4-BE49-F238E27FC236}">
+                <a16:creationId xmlns:a16="http://schemas.microsoft.com/office/drawing/2014/main" id="{A75760CE-27BA-35AB-ED9D-DA25AA583832}"/>
               </a:ext>
             </a:extLst>
           </p:cNvPr>
@@ -8562,7 +8519,7 @@
     </p:spTree>
     <p:extLst>
       <p:ext uri="{BB962C8B-B14F-4D97-AF65-F5344CB8AC3E}">
-        <p14:creationId xmlns:p14="http://schemas.microsoft.com/office/powerpoint/2010/main" val="1318404015"/>
+        <p14:creationId xmlns:p14="http://schemas.microsoft.com/office/powerpoint/2010/main" val="3582633206"/>
       </p:ext>
     </p:extLst>
   </p:cSld>
@@ -8594,7 +8551,7 @@
           <p:cNvPr id="2" name="Başlık 1">
             <a:extLst>
               <a:ext uri="{FF2B5EF4-FFF2-40B4-BE49-F238E27FC236}">
-                <a16:creationId xmlns:a16="http://schemas.microsoft.com/office/drawing/2014/main" id="{4465167C-F6C6-C985-0B42-DF416376130D}"/>
+                <a16:creationId xmlns:a16="http://schemas.microsoft.com/office/drawing/2014/main" id="{828C5664-3CD3-05B6-E0D7-D62E3FDB1161}"/>
               </a:ext>
             </a:extLst>
           </p:cNvPr>
@@ -8611,10 +8568,10 @@
           <a:lstStyle/>
           <a:p>
             <a:r>
-              <a:rPr lang="en-US" b="1" dirty="0"/>
-              <a:t>Terminology – Pair-end Sequencing</a:t>
-            </a:r>
-            <a:endParaRPr lang="tr-TR" dirty="0"/>
+              <a:rPr lang="tr-TR" b="1" dirty="0" err="1"/>
+              <a:t>Procedure</a:t>
+            </a:r>
+            <a:endParaRPr lang="tr-TR" b="1" dirty="0"/>
           </a:p>
         </p:txBody>
       </p:sp>
@@ -8623,7 +8580,7 @@
           <p:cNvPr id="3" name="İçerik Yer Tutucusu 2">
             <a:extLst>
               <a:ext uri="{FF2B5EF4-FFF2-40B4-BE49-F238E27FC236}">
-                <a16:creationId xmlns:a16="http://schemas.microsoft.com/office/drawing/2014/main" id="{A84767AB-FCBF-EE28-BC6C-AEA51E0304D9}"/>
+                <a16:creationId xmlns:a16="http://schemas.microsoft.com/office/drawing/2014/main" id="{67019B1C-C3FB-20FC-9150-84CAC57C3F12}"/>
               </a:ext>
             </a:extLst>
           </p:cNvPr>
@@ -8634,28 +8591,12 @@
             <p:ph idx="1"/>
           </p:nvPr>
         </p:nvSpPr>
-        <p:spPr>
-          <a:xfrm>
-            <a:off x="838200" y="6373368"/>
-            <a:ext cx="10515600" cy="301549"/>
-          </a:xfrm>
-        </p:spPr>
-        <p:txBody>
-          <a:bodyPr>
-            <a:normAutofit/>
-          </a:bodyPr>
+        <p:spPr/>
+        <p:txBody>
+          <a:bodyPr/>
           <a:lstStyle/>
           <a:p>
-            <a:pPr marL="0" indent="0" algn="ctr">
-              <a:buNone/>
-            </a:pPr>
-            <a:r>
-              <a:rPr lang="tr-TR" sz="1200" b="0" i="0" u="none" strike="noStrike" baseline="0" dirty="0">
-                <a:latin typeface="Calibri" panose="020F0502020204030204" pitchFamily="34" charset="0"/>
-              </a:rPr>
-              <a:t>https://www.illumina.com/science/technology/next-generation-sequencing/paired-end-vs-single-read-sequencing.html</a:t>
-            </a:r>
-            <a:endParaRPr lang="tr-TR" sz="1800" dirty="0"/>
+            <a:endParaRPr lang="tr-TR"/>
           </a:p>
         </p:txBody>
       </p:sp>
@@ -8664,7 +8605,7 @@
           <p:cNvPr id="5" name="Resim 4">
             <a:extLst>
               <a:ext uri="{FF2B5EF4-FFF2-40B4-BE49-F238E27FC236}">
-                <a16:creationId xmlns:a16="http://schemas.microsoft.com/office/drawing/2014/main" id="{2AAB91F2-C79F-3389-7B25-B93EC1310A5A}"/>
+                <a16:creationId xmlns:a16="http://schemas.microsoft.com/office/drawing/2014/main" id="{C27C7021-94AB-61FB-3F98-FFC40BB93A84}"/>
               </a:ext>
             </a:extLst>
           </p:cNvPr>
@@ -8681,20 +8622,91 @@
         </p:blipFill>
         <p:spPr>
           <a:xfrm>
-            <a:off x="2238630" y="1865034"/>
-            <a:ext cx="7714739" cy="3610187"/>
+            <a:off x="1484908" y="1619583"/>
+            <a:ext cx="9222184" cy="4267079"/>
           </a:xfrm>
           <a:prstGeom prst="rect">
             <a:avLst/>
           </a:prstGeom>
         </p:spPr>
       </p:pic>
+      <p:sp>
+        <p:nvSpPr>
+          <p:cNvPr id="6" name="Rectangle 4">
+            <a:extLst>
+              <a:ext uri="{FF2B5EF4-FFF2-40B4-BE49-F238E27FC236}">
+                <a16:creationId xmlns:a16="http://schemas.microsoft.com/office/drawing/2014/main" id="{DE33D970-4485-38FC-2A3E-A49A8A3904CB}"/>
+              </a:ext>
+            </a:extLst>
+          </p:cNvPr>
+          <p:cNvSpPr/>
+          <p:nvPr/>
+        </p:nvSpPr>
+        <p:spPr>
+          <a:xfrm>
+            <a:off x="9997381" y="6027003"/>
+            <a:ext cx="1984709" cy="830997"/>
+          </a:xfrm>
+          <a:prstGeom prst="rect">
+            <a:avLst/>
+          </a:prstGeom>
+        </p:spPr>
+        <p:txBody>
+          <a:bodyPr wrap="none">
+            <a:spAutoFit/>
+          </a:bodyPr>
+          <a:lstStyle/>
+          <a:p>
+            <a:pPr algn="r"/>
+            <a:r>
+              <a:rPr lang="en-US" sz="1200" i="1" dirty="0">
+                <a:latin typeface="Helvetica"/>
+                <a:cs typeface="Helvetica"/>
+              </a:rPr>
+              <a:t>GATK Workshop Slide Set</a:t>
+            </a:r>
+            <a:br>
+              <a:rPr lang="en-US" sz="1200" i="1" dirty="0">
+                <a:latin typeface="Helvetica"/>
+                <a:cs typeface="Helvetica"/>
+              </a:rPr>
+            </a:br>
+            <a:r>
+              <a:rPr lang="en-US" sz="1200" i="1" dirty="0">
+                <a:latin typeface="Helvetica"/>
+                <a:cs typeface="Helvetica"/>
+              </a:rPr>
+              <a:t>Gujarat, India</a:t>
+            </a:r>
+            <a:br>
+              <a:rPr lang="en-US" sz="1200" i="1" dirty="0">
+                <a:latin typeface="Helvetica"/>
+                <a:cs typeface="Helvetica"/>
+              </a:rPr>
+            </a:br>
+            <a:r>
+              <a:rPr lang="en-US" sz="1200" i="1" dirty="0">
+                <a:latin typeface="Helvetica"/>
+                <a:cs typeface="Helvetica"/>
+              </a:rPr>
+              <a:t>Mar. 2-5, 2020</a:t>
+            </a:r>
+          </a:p>
+          <a:p>
+            <a:pPr algn="r"/>
+            <a:endParaRPr lang="en-US" sz="1200" i="1" dirty="0">
+              <a:latin typeface="Helvetica"/>
+              <a:cs typeface="Helvetica"/>
+            </a:endParaRPr>
+          </a:p>
+        </p:txBody>
+      </p:sp>
       <p:pic>
         <p:nvPicPr>
           <p:cNvPr id="4" name="Picture 2" descr="EJP RD – European Joint Programme on Rare Diseases">
             <a:extLst>
               <a:ext uri="{FF2B5EF4-FFF2-40B4-BE49-F238E27FC236}">
-                <a16:creationId xmlns:a16="http://schemas.microsoft.com/office/drawing/2014/main" id="{64B09271-8B16-CBC0-D131-1444A0A534A4}"/>
+                <a16:creationId xmlns:a16="http://schemas.microsoft.com/office/drawing/2014/main" id="{E7FE610C-0F72-C7DB-51DA-86F83CC201C8}"/>
               </a:ext>
             </a:extLst>
           </p:cNvPr>
@@ -8738,10 +8750,10 @@
       </p:pic>
       <p:pic>
         <p:nvPicPr>
-          <p:cNvPr id="6" name="Resim 5">
-            <a:extLst>
-              <a:ext uri="{FF2B5EF4-FFF2-40B4-BE49-F238E27FC236}">
-                <a16:creationId xmlns:a16="http://schemas.microsoft.com/office/drawing/2014/main" id="{A75760CE-27BA-35AB-ED9D-DA25AA583832}"/>
+          <p:cNvPr id="7" name="Resim 6">
+            <a:extLst>
+              <a:ext uri="{FF2B5EF4-FFF2-40B4-BE49-F238E27FC236}">
+                <a16:creationId xmlns:a16="http://schemas.microsoft.com/office/drawing/2014/main" id="{00D601A0-77CA-C881-B8CE-D71C3DEF7304}"/>
               </a:ext>
             </a:extLst>
           </p:cNvPr>
@@ -8774,7 +8786,7 @@
     </p:spTree>
     <p:extLst>
       <p:ext uri="{BB962C8B-B14F-4D97-AF65-F5344CB8AC3E}">
-        <p14:creationId xmlns:p14="http://schemas.microsoft.com/office/powerpoint/2010/main" val="3582633206"/>
+        <p14:creationId xmlns:p14="http://schemas.microsoft.com/office/powerpoint/2010/main" val="1318404015"/>
       </p:ext>
     </p:extLst>
   </p:cSld>

--- a/Presentations/0.WES_terminology_formats.pptx
+++ b/Presentations/0.WES_terminology_formats.pptx
@@ -11,10 +11,10 @@
     <p:sldId id="256" r:id="rId2"/>
     <p:sldId id="277" r:id="rId3"/>
     <p:sldId id="257" r:id="rId4"/>
-    <p:sldId id="295" r:id="rId5"/>
-    <p:sldId id="290" r:id="rId6"/>
-    <p:sldId id="270" r:id="rId7"/>
-    <p:sldId id="269" r:id="rId8"/>
+    <p:sldId id="290" r:id="rId5"/>
+    <p:sldId id="270" r:id="rId6"/>
+    <p:sldId id="269" r:id="rId7"/>
+    <p:sldId id="295" r:id="rId8"/>
     <p:sldId id="271" r:id="rId9"/>
     <p:sldId id="292" r:id="rId10"/>
     <p:sldId id="293" r:id="rId11"/>
@@ -141,10 +141,10 @@
           <p14:sldIdLst>
             <p14:sldId id="277"/>
             <p14:sldId id="257"/>
-            <p14:sldId id="295"/>
             <p14:sldId id="290"/>
             <p14:sldId id="270"/>
             <p14:sldId id="269"/>
+            <p14:sldId id="295"/>
             <p14:sldId id="271"/>
             <p14:sldId id="292"/>
             <p14:sldId id="293"/>
@@ -8339,7 +8339,7 @@
           <p:cNvPr id="2" name="Başlık 1">
             <a:extLst>
               <a:ext uri="{FF2B5EF4-FFF2-40B4-BE49-F238E27FC236}">
-                <a16:creationId xmlns:a16="http://schemas.microsoft.com/office/drawing/2014/main" id="{4465167C-F6C6-C985-0B42-DF416376130D}"/>
+                <a16:creationId xmlns:a16="http://schemas.microsoft.com/office/drawing/2014/main" id="{828C5664-3CD3-05B6-E0D7-D62E3FDB1161}"/>
               </a:ext>
             </a:extLst>
           </p:cNvPr>
@@ -8356,10 +8356,10 @@
           <a:lstStyle/>
           <a:p>
             <a:r>
-              <a:rPr lang="en-US" b="1" dirty="0"/>
-              <a:t>Terminology – Pair-end Sequencing</a:t>
-            </a:r>
-            <a:endParaRPr lang="tr-TR" dirty="0"/>
+              <a:rPr lang="tr-TR" b="1" dirty="0" err="1"/>
+              <a:t>Procedure</a:t>
+            </a:r>
+            <a:endParaRPr lang="tr-TR" b="1" dirty="0"/>
           </a:p>
         </p:txBody>
       </p:sp>
@@ -8368,7 +8368,7 @@
           <p:cNvPr id="3" name="İçerik Yer Tutucusu 2">
             <a:extLst>
               <a:ext uri="{FF2B5EF4-FFF2-40B4-BE49-F238E27FC236}">
-                <a16:creationId xmlns:a16="http://schemas.microsoft.com/office/drawing/2014/main" id="{A84767AB-FCBF-EE28-BC6C-AEA51E0304D9}"/>
+                <a16:creationId xmlns:a16="http://schemas.microsoft.com/office/drawing/2014/main" id="{67019B1C-C3FB-20FC-9150-84CAC57C3F12}"/>
               </a:ext>
             </a:extLst>
           </p:cNvPr>
@@ -8379,28 +8379,12 @@
             <p:ph idx="1"/>
           </p:nvPr>
         </p:nvSpPr>
-        <p:spPr>
-          <a:xfrm>
-            <a:off x="838200" y="6373368"/>
-            <a:ext cx="10515600" cy="301549"/>
-          </a:xfrm>
-        </p:spPr>
-        <p:txBody>
-          <a:bodyPr>
-            <a:normAutofit/>
-          </a:bodyPr>
+        <p:spPr/>
+        <p:txBody>
+          <a:bodyPr/>
           <a:lstStyle/>
           <a:p>
-            <a:pPr marL="0" indent="0" algn="ctr">
-              <a:buNone/>
-            </a:pPr>
-            <a:r>
-              <a:rPr lang="tr-TR" sz="1200" b="0" i="0" u="none" strike="noStrike" baseline="0" dirty="0">
-                <a:latin typeface="Calibri" panose="020F0502020204030204" pitchFamily="34" charset="0"/>
-              </a:rPr>
-              <a:t>https://www.illumina.com/science/technology/next-generation-sequencing/paired-end-vs-single-read-sequencing.html</a:t>
-            </a:r>
-            <a:endParaRPr lang="tr-TR" sz="1800" dirty="0"/>
+            <a:endParaRPr lang="tr-TR"/>
           </a:p>
         </p:txBody>
       </p:sp>
@@ -8409,7 +8393,7 @@
           <p:cNvPr id="5" name="Resim 4">
             <a:extLst>
               <a:ext uri="{FF2B5EF4-FFF2-40B4-BE49-F238E27FC236}">
-                <a16:creationId xmlns:a16="http://schemas.microsoft.com/office/drawing/2014/main" id="{2AAB91F2-C79F-3389-7B25-B93EC1310A5A}"/>
+                <a16:creationId xmlns:a16="http://schemas.microsoft.com/office/drawing/2014/main" id="{C27C7021-94AB-61FB-3F98-FFC40BB93A84}"/>
               </a:ext>
             </a:extLst>
           </p:cNvPr>
@@ -8426,20 +8410,91 @@
         </p:blipFill>
         <p:spPr>
           <a:xfrm>
-            <a:off x="2238630" y="1865034"/>
-            <a:ext cx="7714739" cy="3610187"/>
+            <a:off x="1484908" y="1619583"/>
+            <a:ext cx="9222184" cy="4267079"/>
           </a:xfrm>
           <a:prstGeom prst="rect">
             <a:avLst/>
           </a:prstGeom>
         </p:spPr>
       </p:pic>
+      <p:sp>
+        <p:nvSpPr>
+          <p:cNvPr id="6" name="Rectangle 4">
+            <a:extLst>
+              <a:ext uri="{FF2B5EF4-FFF2-40B4-BE49-F238E27FC236}">
+                <a16:creationId xmlns:a16="http://schemas.microsoft.com/office/drawing/2014/main" id="{DE33D970-4485-38FC-2A3E-A49A8A3904CB}"/>
+              </a:ext>
+            </a:extLst>
+          </p:cNvPr>
+          <p:cNvSpPr/>
+          <p:nvPr/>
+        </p:nvSpPr>
+        <p:spPr>
+          <a:xfrm>
+            <a:off x="9997381" y="6027003"/>
+            <a:ext cx="1984709" cy="830997"/>
+          </a:xfrm>
+          <a:prstGeom prst="rect">
+            <a:avLst/>
+          </a:prstGeom>
+        </p:spPr>
+        <p:txBody>
+          <a:bodyPr wrap="none">
+            <a:spAutoFit/>
+          </a:bodyPr>
+          <a:lstStyle/>
+          <a:p>
+            <a:pPr algn="r"/>
+            <a:r>
+              <a:rPr lang="en-US" sz="1200" i="1" dirty="0">
+                <a:latin typeface="Helvetica"/>
+                <a:cs typeface="Helvetica"/>
+              </a:rPr>
+              <a:t>GATK Workshop Slide Set</a:t>
+            </a:r>
+            <a:br>
+              <a:rPr lang="en-US" sz="1200" i="1" dirty="0">
+                <a:latin typeface="Helvetica"/>
+                <a:cs typeface="Helvetica"/>
+              </a:rPr>
+            </a:br>
+            <a:r>
+              <a:rPr lang="en-US" sz="1200" i="1" dirty="0">
+                <a:latin typeface="Helvetica"/>
+                <a:cs typeface="Helvetica"/>
+              </a:rPr>
+              <a:t>Gujarat, India</a:t>
+            </a:r>
+            <a:br>
+              <a:rPr lang="en-US" sz="1200" i="1" dirty="0">
+                <a:latin typeface="Helvetica"/>
+                <a:cs typeface="Helvetica"/>
+              </a:rPr>
+            </a:br>
+            <a:r>
+              <a:rPr lang="en-US" sz="1200" i="1" dirty="0">
+                <a:latin typeface="Helvetica"/>
+                <a:cs typeface="Helvetica"/>
+              </a:rPr>
+              <a:t>Mar. 2-5, 2020</a:t>
+            </a:r>
+          </a:p>
+          <a:p>
+            <a:pPr algn="r"/>
+            <a:endParaRPr lang="en-US" sz="1200" i="1" dirty="0">
+              <a:latin typeface="Helvetica"/>
+              <a:cs typeface="Helvetica"/>
+            </a:endParaRPr>
+          </a:p>
+        </p:txBody>
+      </p:sp>
       <p:pic>
         <p:nvPicPr>
           <p:cNvPr id="4" name="Picture 2" descr="EJP RD – European Joint Programme on Rare Diseases">
             <a:extLst>
               <a:ext uri="{FF2B5EF4-FFF2-40B4-BE49-F238E27FC236}">
-                <a16:creationId xmlns:a16="http://schemas.microsoft.com/office/drawing/2014/main" id="{64B09271-8B16-CBC0-D131-1444A0A534A4}"/>
+                <a16:creationId xmlns:a16="http://schemas.microsoft.com/office/drawing/2014/main" id="{E7FE610C-0F72-C7DB-51DA-86F83CC201C8}"/>
               </a:ext>
             </a:extLst>
           </p:cNvPr>
@@ -8483,10 +8538,10 @@
       </p:pic>
       <p:pic>
         <p:nvPicPr>
-          <p:cNvPr id="6" name="Resim 5">
-            <a:extLst>
-              <a:ext uri="{FF2B5EF4-FFF2-40B4-BE49-F238E27FC236}">
-                <a16:creationId xmlns:a16="http://schemas.microsoft.com/office/drawing/2014/main" id="{A75760CE-27BA-35AB-ED9D-DA25AA583832}"/>
+          <p:cNvPr id="7" name="Resim 6">
+            <a:extLst>
+              <a:ext uri="{FF2B5EF4-FFF2-40B4-BE49-F238E27FC236}">
+                <a16:creationId xmlns:a16="http://schemas.microsoft.com/office/drawing/2014/main" id="{00D601A0-77CA-C881-B8CE-D71C3DEF7304}"/>
               </a:ext>
             </a:extLst>
           </p:cNvPr>
@@ -8519,7 +8574,7 @@
     </p:spTree>
     <p:extLst>
       <p:ext uri="{BB962C8B-B14F-4D97-AF65-F5344CB8AC3E}">
-        <p14:creationId xmlns:p14="http://schemas.microsoft.com/office/powerpoint/2010/main" val="3582633206"/>
+        <p14:creationId xmlns:p14="http://schemas.microsoft.com/office/powerpoint/2010/main" val="1318404015"/>
       </p:ext>
     </p:extLst>
   </p:cSld>
@@ -8548,273 +8603,6 @@
       </p:grpSpPr>
       <p:sp>
         <p:nvSpPr>
-          <p:cNvPr id="2" name="Başlık 1">
-            <a:extLst>
-              <a:ext uri="{FF2B5EF4-FFF2-40B4-BE49-F238E27FC236}">
-                <a16:creationId xmlns:a16="http://schemas.microsoft.com/office/drawing/2014/main" id="{828C5664-3CD3-05B6-E0D7-D62E3FDB1161}"/>
-              </a:ext>
-            </a:extLst>
-          </p:cNvPr>
-          <p:cNvSpPr>
-            <a:spLocks noGrp="1"/>
-          </p:cNvSpPr>
-          <p:nvPr>
-            <p:ph type="title"/>
-          </p:nvPr>
-        </p:nvSpPr>
-        <p:spPr/>
-        <p:txBody>
-          <a:bodyPr/>
-          <a:lstStyle/>
-          <a:p>
-            <a:r>
-              <a:rPr lang="tr-TR" b="1" dirty="0" err="1"/>
-              <a:t>Procedure</a:t>
-            </a:r>
-            <a:endParaRPr lang="tr-TR" b="1" dirty="0"/>
-          </a:p>
-        </p:txBody>
-      </p:sp>
-      <p:sp>
-        <p:nvSpPr>
-          <p:cNvPr id="3" name="İçerik Yer Tutucusu 2">
-            <a:extLst>
-              <a:ext uri="{FF2B5EF4-FFF2-40B4-BE49-F238E27FC236}">
-                <a16:creationId xmlns:a16="http://schemas.microsoft.com/office/drawing/2014/main" id="{67019B1C-C3FB-20FC-9150-84CAC57C3F12}"/>
-              </a:ext>
-            </a:extLst>
-          </p:cNvPr>
-          <p:cNvSpPr>
-            <a:spLocks noGrp="1"/>
-          </p:cNvSpPr>
-          <p:nvPr>
-            <p:ph idx="1"/>
-          </p:nvPr>
-        </p:nvSpPr>
-        <p:spPr/>
-        <p:txBody>
-          <a:bodyPr/>
-          <a:lstStyle/>
-          <a:p>
-            <a:endParaRPr lang="tr-TR"/>
-          </a:p>
-        </p:txBody>
-      </p:sp>
-      <p:pic>
-        <p:nvPicPr>
-          <p:cNvPr id="5" name="Resim 4">
-            <a:extLst>
-              <a:ext uri="{FF2B5EF4-FFF2-40B4-BE49-F238E27FC236}">
-                <a16:creationId xmlns:a16="http://schemas.microsoft.com/office/drawing/2014/main" id="{C27C7021-94AB-61FB-3F98-FFC40BB93A84}"/>
-              </a:ext>
-            </a:extLst>
-          </p:cNvPr>
-          <p:cNvPicPr>
-            <a:picLocks noChangeAspect="1"/>
-          </p:cNvPicPr>
-          <p:nvPr/>
-        </p:nvPicPr>
-        <p:blipFill>
-          <a:blip r:embed="rId2"/>
-          <a:stretch>
-            <a:fillRect/>
-          </a:stretch>
-        </p:blipFill>
-        <p:spPr>
-          <a:xfrm>
-            <a:off x="1484908" y="1619583"/>
-            <a:ext cx="9222184" cy="4267079"/>
-          </a:xfrm>
-          <a:prstGeom prst="rect">
-            <a:avLst/>
-          </a:prstGeom>
-        </p:spPr>
-      </p:pic>
-      <p:sp>
-        <p:nvSpPr>
-          <p:cNvPr id="6" name="Rectangle 4">
-            <a:extLst>
-              <a:ext uri="{FF2B5EF4-FFF2-40B4-BE49-F238E27FC236}">
-                <a16:creationId xmlns:a16="http://schemas.microsoft.com/office/drawing/2014/main" id="{DE33D970-4485-38FC-2A3E-A49A8A3904CB}"/>
-              </a:ext>
-            </a:extLst>
-          </p:cNvPr>
-          <p:cNvSpPr/>
-          <p:nvPr/>
-        </p:nvSpPr>
-        <p:spPr>
-          <a:xfrm>
-            <a:off x="9997381" y="6027003"/>
-            <a:ext cx="1984709" cy="830997"/>
-          </a:xfrm>
-          <a:prstGeom prst="rect">
-            <a:avLst/>
-          </a:prstGeom>
-        </p:spPr>
-        <p:txBody>
-          <a:bodyPr wrap="none">
-            <a:spAutoFit/>
-          </a:bodyPr>
-          <a:lstStyle/>
-          <a:p>
-            <a:pPr algn="r"/>
-            <a:r>
-              <a:rPr lang="en-US" sz="1200" i="1" dirty="0">
-                <a:latin typeface="Helvetica"/>
-                <a:cs typeface="Helvetica"/>
-              </a:rPr>
-              <a:t>GATK Workshop Slide Set</a:t>
-            </a:r>
-            <a:br>
-              <a:rPr lang="en-US" sz="1200" i="1" dirty="0">
-                <a:latin typeface="Helvetica"/>
-                <a:cs typeface="Helvetica"/>
-              </a:rPr>
-            </a:br>
-            <a:r>
-              <a:rPr lang="en-US" sz="1200" i="1" dirty="0">
-                <a:latin typeface="Helvetica"/>
-                <a:cs typeface="Helvetica"/>
-              </a:rPr>
-              <a:t>Gujarat, India</a:t>
-            </a:r>
-            <a:br>
-              <a:rPr lang="en-US" sz="1200" i="1" dirty="0">
-                <a:latin typeface="Helvetica"/>
-                <a:cs typeface="Helvetica"/>
-              </a:rPr>
-            </a:br>
-            <a:r>
-              <a:rPr lang="en-US" sz="1200" i="1" dirty="0">
-                <a:latin typeface="Helvetica"/>
-                <a:cs typeface="Helvetica"/>
-              </a:rPr>
-              <a:t>Mar. 2-5, 2020</a:t>
-            </a:r>
-          </a:p>
-          <a:p>
-            <a:pPr algn="r"/>
-            <a:endParaRPr lang="en-US" sz="1200" i="1" dirty="0">
-              <a:latin typeface="Helvetica"/>
-              <a:cs typeface="Helvetica"/>
-            </a:endParaRPr>
-          </a:p>
-        </p:txBody>
-      </p:sp>
-      <p:pic>
-        <p:nvPicPr>
-          <p:cNvPr id="4" name="Picture 2" descr="EJP RD – European Joint Programme on Rare Diseases">
-            <a:extLst>
-              <a:ext uri="{FF2B5EF4-FFF2-40B4-BE49-F238E27FC236}">
-                <a16:creationId xmlns:a16="http://schemas.microsoft.com/office/drawing/2014/main" id="{E7FE610C-0F72-C7DB-51DA-86F83CC201C8}"/>
-              </a:ext>
-            </a:extLst>
-          </p:cNvPr>
-          <p:cNvPicPr>
-            <a:picLocks noChangeAspect="1" noChangeArrowheads="1"/>
-          </p:cNvPicPr>
-          <p:nvPr/>
-        </p:nvPicPr>
-        <p:blipFill>
-          <a:blip r:embed="rId3">
-            <a:extLst>
-              <a:ext uri="{28A0092B-C50C-407E-A947-70E740481C1C}">
-                <a14:useLocalDpi xmlns:a14="http://schemas.microsoft.com/office/drawing/2010/main" val="0"/>
-              </a:ext>
-            </a:extLst>
-          </a:blip>
-          <a:srcRect/>
-          <a:stretch>
-            <a:fillRect/>
-          </a:stretch>
-        </p:blipFill>
-        <p:spPr bwMode="auto">
-          <a:xfrm>
-            <a:off x="76200" y="-5104"/>
-            <a:ext cx="2752725" cy="607177"/>
-          </a:xfrm>
-          <a:prstGeom prst="rect">
-            <a:avLst/>
-          </a:prstGeom>
-          <a:noFill/>
-          <a:extLst>
-            <a:ext uri="{909E8E84-426E-40DD-AFC4-6F175D3DCCD1}">
-              <a14:hiddenFill xmlns:a14="http://schemas.microsoft.com/office/drawing/2010/main">
-                <a:solidFill>
-                  <a:srgbClr val="FFFFFF"/>
-                </a:solidFill>
-              </a14:hiddenFill>
-            </a:ext>
-          </a:extLst>
-        </p:spPr>
-      </p:pic>
-      <p:pic>
-        <p:nvPicPr>
-          <p:cNvPr id="7" name="Resim 6">
-            <a:extLst>
-              <a:ext uri="{FF2B5EF4-FFF2-40B4-BE49-F238E27FC236}">
-                <a16:creationId xmlns:a16="http://schemas.microsoft.com/office/drawing/2014/main" id="{00D601A0-77CA-C881-B8CE-D71C3DEF7304}"/>
-              </a:ext>
-            </a:extLst>
-          </p:cNvPr>
-          <p:cNvPicPr>
-            <a:picLocks noChangeAspect="1"/>
-          </p:cNvPicPr>
-          <p:nvPr/>
-        </p:nvPicPr>
-        <p:blipFill rotWithShape="1">
-          <a:blip r:embed="rId4">
-            <a:extLst>
-              <a:ext uri="{28A0092B-C50C-407E-A947-70E740481C1C}">
-                <a14:useLocalDpi xmlns:a14="http://schemas.microsoft.com/office/drawing/2010/main" val="0"/>
-              </a:ext>
-            </a:extLst>
-          </a:blip>
-          <a:srcRect t="29788" b="25389"/>
-          <a:stretch/>
-        </p:blipFill>
-        <p:spPr>
-          <a:xfrm>
-            <a:off x="9584247" y="-41958"/>
-            <a:ext cx="2607753" cy="826438"/>
-          </a:xfrm>
-          <a:prstGeom prst="rect">
-            <a:avLst/>
-          </a:prstGeom>
-        </p:spPr>
-      </p:pic>
-    </p:spTree>
-    <p:extLst>
-      <p:ext uri="{BB962C8B-B14F-4D97-AF65-F5344CB8AC3E}">
-        <p14:creationId xmlns:p14="http://schemas.microsoft.com/office/powerpoint/2010/main" val="1318404015"/>
-      </p:ext>
-    </p:extLst>
-  </p:cSld>
-  <p:clrMapOvr>
-    <a:masterClrMapping/>
-  </p:clrMapOvr>
-</p:sld>
-</file>
-
-<file path=ppt/slides/slide6.xml><?xml version="1.0" encoding="utf-8"?>
-<p:sld xmlns:a="http://schemas.openxmlformats.org/drawingml/2006/main" xmlns:r="http://schemas.openxmlformats.org/officeDocument/2006/relationships" xmlns:p="http://schemas.openxmlformats.org/presentationml/2006/main">
-  <p:cSld>
-    <p:spTree>
-      <p:nvGrpSpPr>
-        <p:cNvPr id="1" name=""/>
-        <p:cNvGrpSpPr/>
-        <p:nvPr/>
-      </p:nvGrpSpPr>
-      <p:grpSpPr>
-        <a:xfrm>
-          <a:off x="0" y="0"/>
-          <a:ext cx="0" cy="0"/>
-          <a:chOff x="0" y="0"/>
-          <a:chExt cx="0" cy="0"/>
-        </a:xfrm>
-      </p:grpSpPr>
-      <p:sp>
-        <p:nvSpPr>
           <p:cNvPr id="6" name="Title 5">
             <a:extLst>
               <a:ext uri="{FF2B5EF4-FFF2-40B4-BE49-F238E27FC236}">
@@ -8966,7 +8754,7 @@
 </p:sld>
 </file>
 
-<file path=ppt/slides/slide7.xml><?xml version="1.0" encoding="utf-8"?>
+<file path=ppt/slides/slide6.xml><?xml version="1.0" encoding="utf-8"?>
 <p:sld xmlns:a="http://schemas.openxmlformats.org/drawingml/2006/main" xmlns:r="http://schemas.openxmlformats.org/officeDocument/2006/relationships" xmlns:p="http://schemas.openxmlformats.org/presentationml/2006/main">
   <p:cSld>
     <p:spTree>
@@ -9239,6 +9027,218 @@
     <p:extLst>
       <p:ext uri="{BB962C8B-B14F-4D97-AF65-F5344CB8AC3E}">
         <p14:creationId xmlns:p14="http://schemas.microsoft.com/office/powerpoint/2010/main" val="141632222"/>
+      </p:ext>
+    </p:extLst>
+  </p:cSld>
+  <p:clrMapOvr>
+    <a:masterClrMapping/>
+  </p:clrMapOvr>
+</p:sld>
+</file>
+
+<file path=ppt/slides/slide7.xml><?xml version="1.0" encoding="utf-8"?>
+<p:sld xmlns:a="http://schemas.openxmlformats.org/drawingml/2006/main" xmlns:r="http://schemas.openxmlformats.org/officeDocument/2006/relationships" xmlns:p="http://schemas.openxmlformats.org/presentationml/2006/main">
+  <p:cSld>
+    <p:spTree>
+      <p:nvGrpSpPr>
+        <p:cNvPr id="1" name=""/>
+        <p:cNvGrpSpPr/>
+        <p:nvPr/>
+      </p:nvGrpSpPr>
+      <p:grpSpPr>
+        <a:xfrm>
+          <a:off x="0" y="0"/>
+          <a:ext cx="0" cy="0"/>
+          <a:chOff x="0" y="0"/>
+          <a:chExt cx="0" cy="0"/>
+        </a:xfrm>
+      </p:grpSpPr>
+      <p:sp>
+        <p:nvSpPr>
+          <p:cNvPr id="2" name="Başlık 1">
+            <a:extLst>
+              <a:ext uri="{FF2B5EF4-FFF2-40B4-BE49-F238E27FC236}">
+                <a16:creationId xmlns:a16="http://schemas.microsoft.com/office/drawing/2014/main" id="{4465167C-F6C6-C985-0B42-DF416376130D}"/>
+              </a:ext>
+            </a:extLst>
+          </p:cNvPr>
+          <p:cNvSpPr>
+            <a:spLocks noGrp="1"/>
+          </p:cNvSpPr>
+          <p:nvPr>
+            <p:ph type="title"/>
+          </p:nvPr>
+        </p:nvSpPr>
+        <p:spPr/>
+        <p:txBody>
+          <a:bodyPr/>
+          <a:lstStyle/>
+          <a:p>
+            <a:r>
+              <a:rPr lang="en-US" b="1" dirty="0"/>
+              <a:t>Terminology – Pair-end Sequencing</a:t>
+            </a:r>
+            <a:endParaRPr lang="tr-TR" dirty="0"/>
+          </a:p>
+        </p:txBody>
+      </p:sp>
+      <p:sp>
+        <p:nvSpPr>
+          <p:cNvPr id="3" name="İçerik Yer Tutucusu 2">
+            <a:extLst>
+              <a:ext uri="{FF2B5EF4-FFF2-40B4-BE49-F238E27FC236}">
+                <a16:creationId xmlns:a16="http://schemas.microsoft.com/office/drawing/2014/main" id="{A84767AB-FCBF-EE28-BC6C-AEA51E0304D9}"/>
+              </a:ext>
+            </a:extLst>
+          </p:cNvPr>
+          <p:cNvSpPr>
+            <a:spLocks noGrp="1"/>
+          </p:cNvSpPr>
+          <p:nvPr>
+            <p:ph idx="1"/>
+          </p:nvPr>
+        </p:nvSpPr>
+        <p:spPr>
+          <a:xfrm>
+            <a:off x="838200" y="6373368"/>
+            <a:ext cx="10515600" cy="301549"/>
+          </a:xfrm>
+        </p:spPr>
+        <p:txBody>
+          <a:bodyPr>
+            <a:normAutofit/>
+          </a:bodyPr>
+          <a:lstStyle/>
+          <a:p>
+            <a:pPr marL="0" indent="0" algn="ctr">
+              <a:buNone/>
+            </a:pPr>
+            <a:r>
+              <a:rPr lang="tr-TR" sz="1200" b="0" i="0" u="none" strike="noStrike" baseline="0" dirty="0">
+                <a:latin typeface="Calibri" panose="020F0502020204030204" pitchFamily="34" charset="0"/>
+              </a:rPr>
+              <a:t>https://www.illumina.com/science/technology/next-generation-sequencing/paired-end-vs-single-read-sequencing.html</a:t>
+            </a:r>
+            <a:endParaRPr lang="tr-TR" sz="1800" dirty="0"/>
+          </a:p>
+        </p:txBody>
+      </p:sp>
+      <p:pic>
+        <p:nvPicPr>
+          <p:cNvPr id="5" name="Resim 4">
+            <a:extLst>
+              <a:ext uri="{FF2B5EF4-FFF2-40B4-BE49-F238E27FC236}">
+                <a16:creationId xmlns:a16="http://schemas.microsoft.com/office/drawing/2014/main" id="{2AAB91F2-C79F-3389-7B25-B93EC1310A5A}"/>
+              </a:ext>
+            </a:extLst>
+          </p:cNvPr>
+          <p:cNvPicPr>
+            <a:picLocks noChangeAspect="1"/>
+          </p:cNvPicPr>
+          <p:nvPr/>
+        </p:nvPicPr>
+        <p:blipFill>
+          <a:blip r:embed="rId2"/>
+          <a:stretch>
+            <a:fillRect/>
+          </a:stretch>
+        </p:blipFill>
+        <p:spPr>
+          <a:xfrm>
+            <a:off x="2238630" y="1865034"/>
+            <a:ext cx="7714739" cy="3610187"/>
+          </a:xfrm>
+          <a:prstGeom prst="rect">
+            <a:avLst/>
+          </a:prstGeom>
+        </p:spPr>
+      </p:pic>
+      <p:pic>
+        <p:nvPicPr>
+          <p:cNvPr id="4" name="Picture 2" descr="EJP RD – European Joint Programme on Rare Diseases">
+            <a:extLst>
+              <a:ext uri="{FF2B5EF4-FFF2-40B4-BE49-F238E27FC236}">
+                <a16:creationId xmlns:a16="http://schemas.microsoft.com/office/drawing/2014/main" id="{64B09271-8B16-CBC0-D131-1444A0A534A4}"/>
+              </a:ext>
+            </a:extLst>
+          </p:cNvPr>
+          <p:cNvPicPr>
+            <a:picLocks noChangeAspect="1" noChangeArrowheads="1"/>
+          </p:cNvPicPr>
+          <p:nvPr/>
+        </p:nvPicPr>
+        <p:blipFill>
+          <a:blip r:embed="rId3">
+            <a:extLst>
+              <a:ext uri="{28A0092B-C50C-407E-A947-70E740481C1C}">
+                <a14:useLocalDpi xmlns:a14="http://schemas.microsoft.com/office/drawing/2010/main" val="0"/>
+              </a:ext>
+            </a:extLst>
+          </a:blip>
+          <a:srcRect/>
+          <a:stretch>
+            <a:fillRect/>
+          </a:stretch>
+        </p:blipFill>
+        <p:spPr bwMode="auto">
+          <a:xfrm>
+            <a:off x="76200" y="-5104"/>
+            <a:ext cx="2752725" cy="607177"/>
+          </a:xfrm>
+          <a:prstGeom prst="rect">
+            <a:avLst/>
+          </a:prstGeom>
+          <a:noFill/>
+          <a:extLst>
+            <a:ext uri="{909E8E84-426E-40DD-AFC4-6F175D3DCCD1}">
+              <a14:hiddenFill xmlns:a14="http://schemas.microsoft.com/office/drawing/2010/main">
+                <a:solidFill>
+                  <a:srgbClr val="FFFFFF"/>
+                </a:solidFill>
+              </a14:hiddenFill>
+            </a:ext>
+          </a:extLst>
+        </p:spPr>
+      </p:pic>
+      <p:pic>
+        <p:nvPicPr>
+          <p:cNvPr id="6" name="Resim 5">
+            <a:extLst>
+              <a:ext uri="{FF2B5EF4-FFF2-40B4-BE49-F238E27FC236}">
+                <a16:creationId xmlns:a16="http://schemas.microsoft.com/office/drawing/2014/main" id="{A75760CE-27BA-35AB-ED9D-DA25AA583832}"/>
+              </a:ext>
+            </a:extLst>
+          </p:cNvPr>
+          <p:cNvPicPr>
+            <a:picLocks noChangeAspect="1"/>
+          </p:cNvPicPr>
+          <p:nvPr/>
+        </p:nvPicPr>
+        <p:blipFill rotWithShape="1">
+          <a:blip r:embed="rId4">
+            <a:extLst>
+              <a:ext uri="{28A0092B-C50C-407E-A947-70E740481C1C}">
+                <a14:useLocalDpi xmlns:a14="http://schemas.microsoft.com/office/drawing/2010/main" val="0"/>
+              </a:ext>
+            </a:extLst>
+          </a:blip>
+          <a:srcRect t="29788" b="25389"/>
+          <a:stretch/>
+        </p:blipFill>
+        <p:spPr>
+          <a:xfrm>
+            <a:off x="9584247" y="-41958"/>
+            <a:ext cx="2607753" cy="826438"/>
+          </a:xfrm>
+          <a:prstGeom prst="rect">
+            <a:avLst/>
+          </a:prstGeom>
+        </p:spPr>
+      </p:pic>
+    </p:spTree>
+    <p:extLst>
+      <p:ext uri="{BB962C8B-B14F-4D97-AF65-F5344CB8AC3E}">
+        <p14:creationId xmlns:p14="http://schemas.microsoft.com/office/powerpoint/2010/main" val="3582633206"/>
       </p:ext>
     </p:extLst>
   </p:cSld>

--- a/Presentations/0.WES_terminology_formats.pptx
+++ b/Presentations/0.WES_terminology_formats.pptx
@@ -258,7 +258,7 @@
           <a:p>
             <a:fld id="{32BF3A05-53FF-7C45-B5E5-052E57A50E87}" type="datetimeFigureOut">
               <a:rPr lang="en-US" smtClean="0"/>
-              <a:t>9/17/2023</a:t>
+              <a:t>9/18/2023</a:t>
             </a:fld>
             <a:endParaRPr lang="en-US"/>
           </a:p>
@@ -759,7 +759,7 @@
           <a:p>
             <a:fld id="{ABC3D20F-9E00-9645-BA2A-A69E1752E500}" type="datetimeFigureOut">
               <a:rPr lang="en-US" smtClean="0"/>
-              <a:t>9/17/2023</a:t>
+              <a:t>9/18/2023</a:t>
             </a:fld>
             <a:endParaRPr lang="en-US"/>
           </a:p>
@@ -957,7 +957,7 @@
           <a:p>
             <a:fld id="{ABC3D20F-9E00-9645-BA2A-A69E1752E500}" type="datetimeFigureOut">
               <a:rPr lang="en-US" smtClean="0"/>
-              <a:t>9/17/2023</a:t>
+              <a:t>9/18/2023</a:t>
             </a:fld>
             <a:endParaRPr lang="en-US"/>
           </a:p>
@@ -1165,7 +1165,7 @@
           <a:p>
             <a:fld id="{ABC3D20F-9E00-9645-BA2A-A69E1752E500}" type="datetimeFigureOut">
               <a:rPr lang="en-US" smtClean="0"/>
-              <a:t>9/17/2023</a:t>
+              <a:t>9/18/2023</a:t>
             </a:fld>
             <a:endParaRPr lang="en-US"/>
           </a:p>
@@ -1363,7 +1363,7 @@
           <a:p>
             <a:fld id="{ABC3D20F-9E00-9645-BA2A-A69E1752E500}" type="datetimeFigureOut">
               <a:rPr lang="en-US" smtClean="0"/>
-              <a:t>9/17/2023</a:t>
+              <a:t>9/18/2023</a:t>
             </a:fld>
             <a:endParaRPr lang="en-US"/>
           </a:p>
@@ -1638,7 +1638,7 @@
           <a:p>
             <a:fld id="{ABC3D20F-9E00-9645-BA2A-A69E1752E500}" type="datetimeFigureOut">
               <a:rPr lang="en-US" smtClean="0"/>
-              <a:t>9/17/2023</a:t>
+              <a:t>9/18/2023</a:t>
             </a:fld>
             <a:endParaRPr lang="en-US"/>
           </a:p>
@@ -1903,7 +1903,7 @@
           <a:p>
             <a:fld id="{ABC3D20F-9E00-9645-BA2A-A69E1752E500}" type="datetimeFigureOut">
               <a:rPr lang="en-US" smtClean="0"/>
-              <a:t>9/17/2023</a:t>
+              <a:t>9/18/2023</a:t>
             </a:fld>
             <a:endParaRPr lang="en-US"/>
           </a:p>
@@ -2315,7 +2315,7 @@
           <a:p>
             <a:fld id="{ABC3D20F-9E00-9645-BA2A-A69E1752E500}" type="datetimeFigureOut">
               <a:rPr lang="en-US" smtClean="0"/>
-              <a:t>9/17/2023</a:t>
+              <a:t>9/18/2023</a:t>
             </a:fld>
             <a:endParaRPr lang="en-US"/>
           </a:p>
@@ -2456,7 +2456,7 @@
           <a:p>
             <a:fld id="{ABC3D20F-9E00-9645-BA2A-A69E1752E500}" type="datetimeFigureOut">
               <a:rPr lang="en-US" smtClean="0"/>
-              <a:t>9/17/2023</a:t>
+              <a:t>9/18/2023</a:t>
             </a:fld>
             <a:endParaRPr lang="en-US"/>
           </a:p>
@@ -2569,7 +2569,7 @@
           <a:p>
             <a:fld id="{ABC3D20F-9E00-9645-BA2A-A69E1752E500}" type="datetimeFigureOut">
               <a:rPr lang="en-US" smtClean="0"/>
-              <a:t>9/17/2023</a:t>
+              <a:t>9/18/2023</a:t>
             </a:fld>
             <a:endParaRPr lang="en-US"/>
           </a:p>
@@ -2880,7 +2880,7 @@
           <a:p>
             <a:fld id="{ABC3D20F-9E00-9645-BA2A-A69E1752E500}" type="datetimeFigureOut">
               <a:rPr lang="en-US" smtClean="0"/>
-              <a:t>9/17/2023</a:t>
+              <a:t>9/18/2023</a:t>
             </a:fld>
             <a:endParaRPr lang="en-US"/>
           </a:p>
@@ -3168,7 +3168,7 @@
           <a:p>
             <a:fld id="{ABC3D20F-9E00-9645-BA2A-A69E1752E500}" type="datetimeFigureOut">
               <a:rPr lang="en-US" smtClean="0"/>
-              <a:t>9/17/2023</a:t>
+              <a:t>9/18/2023</a:t>
             </a:fld>
             <a:endParaRPr lang="en-US"/>
           </a:p>
@@ -3409,7 +3409,7 @@
           <a:p>
             <a:fld id="{ABC3D20F-9E00-9645-BA2A-A69E1752E500}" type="datetimeFigureOut">
               <a:rPr lang="en-US" smtClean="0"/>
-              <a:t>9/17/2023</a:t>
+              <a:t>9/18/2023</a:t>
             </a:fld>
             <a:endParaRPr lang="en-US"/>
           </a:p>
@@ -8360,31 +8360,6 @@
               <a:t>Procedure</a:t>
             </a:r>
             <a:endParaRPr lang="tr-TR" b="1" dirty="0"/>
-          </a:p>
-        </p:txBody>
-      </p:sp>
-      <p:sp>
-        <p:nvSpPr>
-          <p:cNvPr id="3" name="İçerik Yer Tutucusu 2">
-            <a:extLst>
-              <a:ext uri="{FF2B5EF4-FFF2-40B4-BE49-F238E27FC236}">
-                <a16:creationId xmlns:a16="http://schemas.microsoft.com/office/drawing/2014/main" id="{67019B1C-C3FB-20FC-9150-84CAC57C3F12}"/>
-              </a:ext>
-            </a:extLst>
-          </p:cNvPr>
-          <p:cNvSpPr>
-            <a:spLocks noGrp="1"/>
-          </p:cNvSpPr>
-          <p:nvPr>
-            <p:ph idx="1"/>
-          </p:nvPr>
-        </p:nvSpPr>
-        <p:spPr/>
-        <p:txBody>
-          <a:bodyPr/>
-          <a:lstStyle/>
-          <a:p>
-            <a:endParaRPr lang="tr-TR"/>
           </a:p>
         </p:txBody>
       </p:sp>
